--- a/SOURCE CODE SCANNER PPT.pptx
+++ b/SOURCE CODE SCANNER PPT.pptx
@@ -5,19 +5,22 @@
     <p:sldMasterId id="2147483648" r:id="rId1"/>
   </p:sldMasterIdLst>
   <p:notesMasterIdLst>
-    <p:notesMasterId r:id="rId12"/>
+    <p:notesMasterId r:id="rId15"/>
   </p:notesMasterIdLst>
   <p:sldIdLst>
     <p:sldId id="257" r:id="rId2"/>
-    <p:sldId id="258" r:id="rId3"/>
-    <p:sldId id="285" r:id="rId4"/>
-    <p:sldId id="286" r:id="rId5"/>
-    <p:sldId id="287" r:id="rId6"/>
-    <p:sldId id="288" r:id="rId7"/>
-    <p:sldId id="289" r:id="rId8"/>
-    <p:sldId id="290" r:id="rId9"/>
-    <p:sldId id="291" r:id="rId10"/>
-    <p:sldId id="292" r:id="rId11"/>
+    <p:sldId id="294" r:id="rId3"/>
+    <p:sldId id="295" r:id="rId4"/>
+    <p:sldId id="258" r:id="rId5"/>
+    <p:sldId id="285" r:id="rId6"/>
+    <p:sldId id="286" r:id="rId7"/>
+    <p:sldId id="287" r:id="rId8"/>
+    <p:sldId id="288" r:id="rId9"/>
+    <p:sldId id="289" r:id="rId10"/>
+    <p:sldId id="290" r:id="rId11"/>
+    <p:sldId id="291" r:id="rId12"/>
+    <p:sldId id="292" r:id="rId13"/>
+    <p:sldId id="293" r:id="rId14"/>
   </p:sldIdLst>
   <p:sldSz cx="12192000" cy="6858000"/>
   <p:notesSz cx="6858000" cy="9144000"/>
@@ -116,6 +119,11 @@
       </a:defRPr>
     </a:lvl9pPr>
   </p:defaultTextStyle>
+  <p:extLst>
+    <p:ext uri="{EFAFB233-063F-42B5-8137-9DF3F51BA10A}">
+      <p15:sldGuideLst xmlns:p15="http://schemas.microsoft.com/office/powerpoint/2012/main"/>
+    </p:ext>
+  </p:extLst>
 </p:presentation>
 </file>
 
@@ -534,7 +542,7 @@
           <a:p>
             <a:fld id="{1F6988E7-D158-4CE5-BD7B-69B1ABF56E20}" type="slidenum">
               <a:rPr lang="en-IN" smtClean="0"/>
-              <a:t>5</a:t>
+              <a:t>7</a:t>
             </a:fld>
             <a:endParaRPr lang="en-IN"/>
           </a:p>
@@ -702,7 +710,7 @@
           <a:p>
             <a:fld id="{CEA90F6C-5360-4EF8-B4AB-3622FD0BB6D8}" type="datetimeFigureOut">
               <a:rPr lang="en-IN" smtClean="0"/>
-              <a:t>17-09-2025</a:t>
+              <a:t>18-09-2025</a:t>
             </a:fld>
             <a:endParaRPr lang="en-IN"/>
           </a:p>
@@ -902,7 +910,7 @@
           <a:p>
             <a:fld id="{CEA90F6C-5360-4EF8-B4AB-3622FD0BB6D8}" type="datetimeFigureOut">
               <a:rPr lang="en-IN" smtClean="0"/>
-              <a:t>17-09-2025</a:t>
+              <a:t>18-09-2025</a:t>
             </a:fld>
             <a:endParaRPr lang="en-IN"/>
           </a:p>
@@ -1112,7 +1120,7 @@
           <a:p>
             <a:fld id="{CEA90F6C-5360-4EF8-B4AB-3622FD0BB6D8}" type="datetimeFigureOut">
               <a:rPr lang="en-IN" smtClean="0"/>
-              <a:t>17-09-2025</a:t>
+              <a:t>18-09-2025</a:t>
             </a:fld>
             <a:endParaRPr lang="en-IN"/>
           </a:p>
@@ -1312,7 +1320,7 @@
           <a:p>
             <a:fld id="{CEA90F6C-5360-4EF8-B4AB-3622FD0BB6D8}" type="datetimeFigureOut">
               <a:rPr lang="en-IN" smtClean="0"/>
-              <a:t>17-09-2025</a:t>
+              <a:t>18-09-2025</a:t>
             </a:fld>
             <a:endParaRPr lang="en-IN"/>
           </a:p>
@@ -1588,7 +1596,7 @@
           <a:p>
             <a:fld id="{CEA90F6C-5360-4EF8-B4AB-3622FD0BB6D8}" type="datetimeFigureOut">
               <a:rPr lang="en-IN" smtClean="0"/>
-              <a:t>17-09-2025</a:t>
+              <a:t>18-09-2025</a:t>
             </a:fld>
             <a:endParaRPr lang="en-IN"/>
           </a:p>
@@ -1856,7 +1864,7 @@
           <a:p>
             <a:fld id="{CEA90F6C-5360-4EF8-B4AB-3622FD0BB6D8}" type="datetimeFigureOut">
               <a:rPr lang="en-IN" smtClean="0"/>
-              <a:t>17-09-2025</a:t>
+              <a:t>18-09-2025</a:t>
             </a:fld>
             <a:endParaRPr lang="en-IN"/>
           </a:p>
@@ -2271,7 +2279,7 @@
           <a:p>
             <a:fld id="{CEA90F6C-5360-4EF8-B4AB-3622FD0BB6D8}" type="datetimeFigureOut">
               <a:rPr lang="en-IN" smtClean="0"/>
-              <a:t>17-09-2025</a:t>
+              <a:t>18-09-2025</a:t>
             </a:fld>
             <a:endParaRPr lang="en-IN"/>
           </a:p>
@@ -2413,7 +2421,7 @@
           <a:p>
             <a:fld id="{CEA90F6C-5360-4EF8-B4AB-3622FD0BB6D8}" type="datetimeFigureOut">
               <a:rPr lang="en-IN" smtClean="0"/>
-              <a:t>17-09-2025</a:t>
+              <a:t>18-09-2025</a:t>
             </a:fld>
             <a:endParaRPr lang="en-IN"/>
           </a:p>
@@ -2526,7 +2534,7 @@
           <a:p>
             <a:fld id="{CEA90F6C-5360-4EF8-B4AB-3622FD0BB6D8}" type="datetimeFigureOut">
               <a:rPr lang="en-IN" smtClean="0"/>
-              <a:t>17-09-2025</a:t>
+              <a:t>18-09-2025</a:t>
             </a:fld>
             <a:endParaRPr lang="en-IN"/>
           </a:p>
@@ -2839,7 +2847,7 @@
           <a:p>
             <a:fld id="{CEA90F6C-5360-4EF8-B4AB-3622FD0BB6D8}" type="datetimeFigureOut">
               <a:rPr lang="en-IN" smtClean="0"/>
-              <a:t>17-09-2025</a:t>
+              <a:t>18-09-2025</a:t>
             </a:fld>
             <a:endParaRPr lang="en-IN"/>
           </a:p>
@@ -3128,7 +3136,7 @@
           <a:p>
             <a:fld id="{CEA90F6C-5360-4EF8-B4AB-3622FD0BB6D8}" type="datetimeFigureOut">
               <a:rPr lang="en-IN" smtClean="0"/>
-              <a:t>17-09-2025</a:t>
+              <a:t>18-09-2025</a:t>
             </a:fld>
             <a:endParaRPr lang="en-IN"/>
           </a:p>
@@ -3371,7 +3379,7 @@
           <a:p>
             <a:fld id="{CEA90F6C-5360-4EF8-B4AB-3622FD0BB6D8}" type="datetimeFigureOut">
               <a:rPr lang="en-IN" smtClean="0"/>
-              <a:t>17-09-2025</a:t>
+              <a:t>18-09-2025</a:t>
             </a:fld>
             <a:endParaRPr lang="en-IN"/>
           </a:p>
@@ -4167,7 +4175,7 @@
         <p:cNvPr id="1" name="">
           <a:extLst>
             <a:ext uri="{FF2B5EF4-FFF2-40B4-BE49-F238E27FC236}">
-              <a16:creationId xmlns:a16="http://schemas.microsoft.com/office/drawing/2014/main" id="{06EF9185-D481-7FA8-D1F0-733167129341}"/>
+              <a16:creationId xmlns:a16="http://schemas.microsoft.com/office/drawing/2014/main" id="{CB118422-EEE9-F4F9-BC9E-F0AB4E9E0294}"/>
             </a:ext>
           </a:extLst>
         </p:cNvPr>
@@ -4187,7 +4195,7 @@
           <p:cNvPr id="2" name="Rectangle 1">
             <a:extLst>
               <a:ext uri="{FF2B5EF4-FFF2-40B4-BE49-F238E27FC236}">
-                <a16:creationId xmlns:a16="http://schemas.microsoft.com/office/drawing/2014/main" id="{6E74B6D6-F5CB-EA1E-FD06-CD7A565A9D3D}"/>
+                <a16:creationId xmlns:a16="http://schemas.microsoft.com/office/drawing/2014/main" id="{BB8375E4-8BF1-DD6D-C232-4AF5F7DEA469}"/>
               </a:ext>
             </a:extLst>
           </p:cNvPr>
@@ -4230,7 +4238,7 @@
           <a:lstStyle/>
           <a:p>
             <a:pPr algn="ctr"/>
-            <a:endParaRPr lang="en-IN">
+            <a:endParaRPr lang="en-IN" dirty="0">
               <a:solidFill>
                 <a:schemeClr val="bg1"/>
               </a:solidFill>
@@ -4240,10 +4248,10 @@
       </p:sp>
       <p:sp>
         <p:nvSpPr>
-          <p:cNvPr id="3" name="TextBox 2">
-            <a:extLst>
-              <a:ext uri="{FF2B5EF4-FFF2-40B4-BE49-F238E27FC236}">
-                <a16:creationId xmlns:a16="http://schemas.microsoft.com/office/drawing/2014/main" id="{44DF0C70-B6BC-8403-BA70-3D473C148634}"/>
+          <p:cNvPr id="4" name="TextBox 3">
+            <a:extLst>
+              <a:ext uri="{FF2B5EF4-FFF2-40B4-BE49-F238E27FC236}">
+                <a16:creationId xmlns:a16="http://schemas.microsoft.com/office/drawing/2014/main" id="{7B82666B-E11A-5515-60D5-B067701ECC34}"/>
               </a:ext>
             </a:extLst>
           </p:cNvPr>
@@ -4252,46 +4260,8 @@
         </p:nvSpPr>
         <p:spPr>
           <a:xfrm>
-            <a:off x="849086" y="370114"/>
-            <a:ext cx="7456714" cy="984885"/>
-          </a:xfrm>
-          <a:prstGeom prst="rect">
-            <a:avLst/>
-          </a:prstGeom>
-          <a:noFill/>
-        </p:spPr>
-        <p:txBody>
-          <a:bodyPr wrap="square" rtlCol="0">
-            <a:spAutoFit/>
-          </a:bodyPr>
-          <a:lstStyle/>
-          <a:p>
-            <a:r>
-              <a:rPr lang="en-IN" sz="4000" b="1" dirty="0"/>
-              <a:t>Key Takeaways &amp; Next Steps</a:t>
-            </a:r>
-          </a:p>
-          <a:p>
-            <a:endParaRPr lang="en-IN" dirty="0"/>
-          </a:p>
-        </p:txBody>
-      </p:sp>
-      <p:sp>
-        <p:nvSpPr>
-          <p:cNvPr id="5" name="TextBox 4">
-            <a:extLst>
-              <a:ext uri="{FF2B5EF4-FFF2-40B4-BE49-F238E27FC236}">
-                <a16:creationId xmlns:a16="http://schemas.microsoft.com/office/drawing/2014/main" id="{A68A6641-544E-079F-B193-BBED1AA41C12}"/>
-              </a:ext>
-            </a:extLst>
-          </p:cNvPr>
-          <p:cNvSpPr txBox="1"/>
-          <p:nvPr/>
-        </p:nvSpPr>
-        <p:spPr>
-          <a:xfrm>
-            <a:off x="473529" y="2459504"/>
-            <a:ext cx="4288971" cy="1323439"/>
+            <a:off x="500743" y="2763495"/>
+            <a:ext cx="4332513" cy="707886"/>
           </a:xfrm>
           <a:prstGeom prst="rect">
             <a:avLst/>
@@ -4309,15 +4279,16 @@
           </a:bodyPr>
           <a:lstStyle/>
           <a:p>
-            <a:r>
-              <a:rPr lang="en-US" sz="2000" b="1" dirty="0"/>
-              <a:t>Automated Efficiency</a:t>
-            </a:r>
-          </a:p>
-          <a:p>
-            <a:r>
-              <a:rPr lang="en-US" sz="2000" dirty="0"/>
-              <a:t>AI-powered scanning dramatically reduces the time and effort required for vulnerability identification.</a:t>
+            <a:pPr algn="ctr"/>
+            <a:r>
+              <a:rPr lang="en-IN" sz="2000" b="1" dirty="0"/>
+              <a:t>Code Parser</a:t>
+            </a:r>
+          </a:p>
+          <a:p>
+            <a:r>
+              <a:rPr lang="en-IN" sz="2000" dirty="0"/>
+              <a:t>Extracts ASTs from multiple languages</a:t>
             </a:r>
           </a:p>
         </p:txBody>
@@ -4327,7 +4298,7 @@
           <p:cNvPr id="6" name="TextBox 5">
             <a:extLst>
               <a:ext uri="{FF2B5EF4-FFF2-40B4-BE49-F238E27FC236}">
-                <a16:creationId xmlns:a16="http://schemas.microsoft.com/office/drawing/2014/main" id="{3AFD3C71-5060-FE1F-FFC5-31361CE8883E}"/>
+                <a16:creationId xmlns:a16="http://schemas.microsoft.com/office/drawing/2014/main" id="{8D341755-F646-F17B-CD59-76809E7361EB}"/>
               </a:ext>
             </a:extLst>
           </p:cNvPr>
@@ -4336,8 +4307,8 @@
         </p:nvSpPr>
         <p:spPr>
           <a:xfrm>
-            <a:off x="5236029" y="2305616"/>
-            <a:ext cx="3069771" cy="1938992"/>
+            <a:off x="7859487" y="365029"/>
+            <a:ext cx="3744686" cy="707886"/>
           </a:xfrm>
           <a:prstGeom prst="rect">
             <a:avLst/>
@@ -4355,15 +4326,16 @@
           </a:bodyPr>
           <a:lstStyle/>
           <a:p>
+            <a:pPr algn="ctr"/>
             <a:r>
               <a:rPr lang="en-US" sz="2000" b="1" dirty="0"/>
-              <a:t>Enhanced Accuracy</a:t>
+              <a:t>Vulnerability Database</a:t>
             </a:r>
           </a:p>
           <a:p>
             <a:r>
               <a:rPr lang="en-US" sz="2000" dirty="0"/>
-              <a:t>Intelligent algorithms provide more precise detection and fewer false positives than manual methods.</a:t>
+              <a:t>Stores findings and severity data</a:t>
             </a:r>
           </a:p>
         </p:txBody>
@@ -4373,7 +4345,7 @@
           <p:cNvPr id="7" name="TextBox 6">
             <a:extLst>
               <a:ext uri="{FF2B5EF4-FFF2-40B4-BE49-F238E27FC236}">
-                <a16:creationId xmlns:a16="http://schemas.microsoft.com/office/drawing/2014/main" id="{610F1140-D5B4-FBD1-F583-671478273C7A}"/>
+                <a16:creationId xmlns:a16="http://schemas.microsoft.com/office/drawing/2014/main" id="{E5C11A24-217B-49CD-FD5B-D990A2CC1232}"/>
               </a:ext>
             </a:extLst>
           </p:cNvPr>
@@ -4382,8 +4354,8 @@
         </p:nvSpPr>
         <p:spPr>
           <a:xfrm>
-            <a:off x="8784771" y="2305616"/>
-            <a:ext cx="2928257" cy="1631216"/>
+            <a:off x="587827" y="365029"/>
+            <a:ext cx="3744686" cy="707886"/>
           </a:xfrm>
           <a:prstGeom prst="rect">
             <a:avLst/>
@@ -4401,15 +4373,16 @@
           </a:bodyPr>
           <a:lstStyle/>
           <a:p>
-            <a:r>
-              <a:rPr lang="en-US" sz="2000" b="1" dirty="0"/>
-              <a:t>Risk-Based Prioritization</a:t>
-            </a:r>
-          </a:p>
-          <a:p>
-            <a:r>
-              <a:rPr lang="en-US" sz="2000" dirty="0"/>
-              <a:t>Focus on critical issues first, ensuring efficient and impactful remediation efforts.</a:t>
+            <a:pPr algn="ctr"/>
+            <a:r>
+              <a:rPr lang="en-IN" sz="2000" b="1" dirty="0"/>
+              <a:t>Code Repository</a:t>
+            </a:r>
+          </a:p>
+          <a:p>
+            <a:r>
+              <a:rPr lang="en-IN" sz="2000" dirty="0"/>
+              <a:t>Source code and version history</a:t>
             </a:r>
           </a:p>
         </p:txBody>
@@ -4419,7 +4392,7 @@
           <p:cNvPr id="8" name="TextBox 7">
             <a:extLst>
               <a:ext uri="{FF2B5EF4-FFF2-40B4-BE49-F238E27FC236}">
-                <a16:creationId xmlns:a16="http://schemas.microsoft.com/office/drawing/2014/main" id="{DEDF23D2-8CBC-1EC3-9578-80EAF7F8CE1D}"/>
+                <a16:creationId xmlns:a16="http://schemas.microsoft.com/office/drawing/2014/main" id="{0F730CDB-FB16-3C08-F67B-3EB32E0157C9}"/>
               </a:ext>
             </a:extLst>
           </p:cNvPr>
@@ -4428,13 +4401,844 @@
         </p:nvSpPr>
         <p:spPr>
           <a:xfrm>
-            <a:off x="370114" y="5841555"/>
-            <a:ext cx="11125200" cy="707886"/>
+            <a:off x="4016828" y="1661437"/>
+            <a:ext cx="4158344" cy="707886"/>
           </a:xfrm>
           <a:prstGeom prst="rect">
             <a:avLst/>
           </a:prstGeom>
           <a:noFill/>
+          <a:ln w="28575">
+            <a:solidFill>
+              <a:schemeClr val="tx1"/>
+            </a:solidFill>
+          </a:ln>
+        </p:spPr>
+        <p:txBody>
+          <a:bodyPr wrap="square" rtlCol="0">
+            <a:spAutoFit/>
+          </a:bodyPr>
+          <a:lstStyle/>
+          <a:p>
+            <a:pPr algn="ctr"/>
+            <a:r>
+              <a:rPr lang="en-US" sz="2000" b="1" dirty="0"/>
+              <a:t>AI Analysis Engine</a:t>
+            </a:r>
+          </a:p>
+          <a:p>
+            <a:r>
+              <a:rPr lang="en-US" sz="2000" dirty="0"/>
+              <a:t>Pattern, context, and risk assessment</a:t>
+            </a:r>
+          </a:p>
+        </p:txBody>
+      </p:sp>
+      <p:sp>
+        <p:nvSpPr>
+          <p:cNvPr id="10" name="TextBox 9">
+            <a:extLst>
+              <a:ext uri="{FF2B5EF4-FFF2-40B4-BE49-F238E27FC236}">
+                <a16:creationId xmlns:a16="http://schemas.microsoft.com/office/drawing/2014/main" id="{1BE38B8F-0A90-7630-C89D-F565779F8F10}"/>
+              </a:ext>
+            </a:extLst>
+          </p:cNvPr>
+          <p:cNvSpPr txBox="1"/>
+          <p:nvPr/>
+        </p:nvSpPr>
+        <p:spPr>
+          <a:xfrm>
+            <a:off x="7358745" y="2761874"/>
+            <a:ext cx="4332512" cy="707886"/>
+          </a:xfrm>
+          <a:prstGeom prst="rect">
+            <a:avLst/>
+          </a:prstGeom>
+          <a:noFill/>
+          <a:ln w="28575">
+            <a:solidFill>
+              <a:schemeClr val="tx1"/>
+            </a:solidFill>
+          </a:ln>
+        </p:spPr>
+        <p:txBody>
+          <a:bodyPr wrap="square" rtlCol="0">
+            <a:spAutoFit/>
+          </a:bodyPr>
+          <a:lstStyle/>
+          <a:p>
+            <a:pPr algn="ctr"/>
+            <a:r>
+              <a:rPr lang="en-US" sz="2000" b="1" dirty="0"/>
+              <a:t>Reporting Module</a:t>
+            </a:r>
+          </a:p>
+          <a:p>
+            <a:r>
+              <a:rPr lang="en-US" sz="2000" dirty="0"/>
+              <a:t>Generates actionable developer reports</a:t>
+            </a:r>
+          </a:p>
+        </p:txBody>
+      </p:sp>
+      <p:sp>
+        <p:nvSpPr>
+          <p:cNvPr id="11" name="TextBox 10">
+            <a:extLst>
+              <a:ext uri="{FF2B5EF4-FFF2-40B4-BE49-F238E27FC236}">
+                <a16:creationId xmlns:a16="http://schemas.microsoft.com/office/drawing/2014/main" id="{5617437C-0757-BBAA-C83D-F97A0EF67AAF}"/>
+              </a:ext>
+            </a:extLst>
+          </p:cNvPr>
+          <p:cNvSpPr txBox="1"/>
+          <p:nvPr/>
+        </p:nvSpPr>
+        <p:spPr>
+          <a:xfrm>
+            <a:off x="500743" y="3687901"/>
+            <a:ext cx="11190514" cy="3170099"/>
+          </a:xfrm>
+          <a:prstGeom prst="rect">
+            <a:avLst/>
+          </a:prstGeom>
+          <a:noFill/>
+        </p:spPr>
+        <p:txBody>
+          <a:bodyPr wrap="square" rtlCol="0">
+            <a:spAutoFit/>
+          </a:bodyPr>
+          <a:lstStyle/>
+          <a:p>
+            <a:r>
+              <a:rPr lang="en-US" sz="2000" dirty="0"/>
+              <a:t>The system is designed with modularity and scalability in mind, ensuring efficient processing and accurate reporting.</a:t>
+            </a:r>
+          </a:p>
+          <a:p>
+            <a:r>
+              <a:rPr lang="en-US" sz="2000" b="1" dirty="0"/>
+              <a:t>Code Parser:</a:t>
+            </a:r>
+            <a:r>
+              <a:rPr lang="en-US" sz="2000" dirty="0"/>
+              <a:t> Extracts abstract syntax trees (ASTs) from various programming languages.</a:t>
+            </a:r>
+          </a:p>
+          <a:p>
+            <a:r>
+              <a:rPr lang="en-US" sz="2000" b="1" dirty="0"/>
+              <a:t>AI Analysis Engine:</a:t>
+            </a:r>
+            <a:r>
+              <a:rPr lang="en-US" sz="2000" dirty="0"/>
+              <a:t> The core intelligence, employing machine learning models to detect and classify vulnerabilities.</a:t>
+            </a:r>
+          </a:p>
+          <a:p>
+            <a:r>
+              <a:rPr lang="en-US" sz="2000" b="1" dirty="0"/>
+              <a:t>Vulnerability Database:</a:t>
+            </a:r>
+            <a:r>
+              <a:rPr lang="en-US" sz="2000" dirty="0"/>
+              <a:t> Stores known vulnerability patterns and remediation strategies.</a:t>
+            </a:r>
+          </a:p>
+          <a:p>
+            <a:r>
+              <a:rPr lang="en-US" sz="2000" b="1" dirty="0"/>
+              <a:t>Reporting Module:</a:t>
+            </a:r>
+            <a:r>
+              <a:rPr lang="en-US" sz="2000" dirty="0"/>
+              <a:t> Generates comprehensive reports with severity levels and actionable recommendations.</a:t>
+            </a:r>
+          </a:p>
+          <a:p>
+            <a:r>
+              <a:rPr lang="en-US" sz="2000" b="1" dirty="0"/>
+              <a:t>Developer Interface:</a:t>
+            </a:r>
+            <a:r>
+              <a:rPr lang="en-US" sz="2000" dirty="0"/>
+              <a:t> Provides a user-friendly dashboard for viewing results and managing remediation workflows.</a:t>
+            </a:r>
+          </a:p>
+        </p:txBody>
+      </p:sp>
+    </p:spTree>
+    <p:extLst>
+      <p:ext uri="{BB962C8B-B14F-4D97-AF65-F5344CB8AC3E}">
+        <p14:creationId xmlns:p14="http://schemas.microsoft.com/office/powerpoint/2010/main" val="3277588249"/>
+      </p:ext>
+    </p:extLst>
+  </p:cSld>
+  <p:clrMapOvr>
+    <a:masterClrMapping/>
+  </p:clrMapOvr>
+</p:sld>
+</file>
+
+<file path=ppt/slides/slide11.xml><?xml version="1.0" encoding="utf-8"?>
+<p:sld xmlns:a="http://schemas.openxmlformats.org/drawingml/2006/main" xmlns:r="http://schemas.openxmlformats.org/officeDocument/2006/relationships" xmlns:p="http://schemas.openxmlformats.org/presentationml/2006/main">
+  <p:cSld>
+    <p:spTree>
+      <p:nvGrpSpPr>
+        <p:cNvPr id="1" name="">
+          <a:extLst>
+            <a:ext uri="{FF2B5EF4-FFF2-40B4-BE49-F238E27FC236}">
+              <a16:creationId xmlns:a16="http://schemas.microsoft.com/office/drawing/2014/main" id="{565739F2-F187-9D5C-F9EE-31528B67E970}"/>
+            </a:ext>
+          </a:extLst>
+        </p:cNvPr>
+        <p:cNvGrpSpPr/>
+        <p:nvPr/>
+      </p:nvGrpSpPr>
+      <p:grpSpPr>
+        <a:xfrm>
+          <a:off x="0" y="0"/>
+          <a:ext cx="0" cy="0"/>
+          <a:chOff x="0" y="0"/>
+          <a:chExt cx="0" cy="0"/>
+        </a:xfrm>
+      </p:grpSpPr>
+      <p:sp>
+        <p:nvSpPr>
+          <p:cNvPr id="2" name="Rectangle 1">
+            <a:extLst>
+              <a:ext uri="{FF2B5EF4-FFF2-40B4-BE49-F238E27FC236}">
+                <a16:creationId xmlns:a16="http://schemas.microsoft.com/office/drawing/2014/main" id="{592A854F-860E-F1F3-B2B9-21D5B13F2A24}"/>
+              </a:ext>
+            </a:extLst>
+          </p:cNvPr>
+          <p:cNvSpPr/>
+          <p:nvPr/>
+        </p:nvSpPr>
+        <p:spPr>
+          <a:xfrm>
+            <a:off x="0" y="0"/>
+            <a:ext cx="12192000" cy="6858000"/>
+          </a:xfrm>
+          <a:prstGeom prst="rect">
+            <a:avLst/>
+          </a:prstGeom>
+          <a:solidFill>
+            <a:schemeClr val="tx2">
+              <a:lumMod val="20000"/>
+              <a:lumOff val="80000"/>
+            </a:schemeClr>
+          </a:solidFill>
+        </p:spPr>
+        <p:style>
+          <a:lnRef idx="2">
+            <a:schemeClr val="accent1">
+              <a:shade val="15000"/>
+            </a:schemeClr>
+          </a:lnRef>
+          <a:fillRef idx="1">
+            <a:schemeClr val="accent1"/>
+          </a:fillRef>
+          <a:effectRef idx="0">
+            <a:schemeClr val="accent1"/>
+          </a:effectRef>
+          <a:fontRef idx="minor">
+            <a:schemeClr val="lt1"/>
+          </a:fontRef>
+        </p:style>
+        <p:txBody>
+          <a:bodyPr rtlCol="0" anchor="ctr"/>
+          <a:lstStyle/>
+          <a:p>
+            <a:pPr algn="ctr"/>
+            <a:endParaRPr lang="en-IN">
+              <a:solidFill>
+                <a:schemeClr val="bg1"/>
+              </a:solidFill>
+            </a:endParaRPr>
+          </a:p>
+        </p:txBody>
+      </p:sp>
+      <p:sp>
+        <p:nvSpPr>
+          <p:cNvPr id="4" name="TextBox 3">
+            <a:extLst>
+              <a:ext uri="{FF2B5EF4-FFF2-40B4-BE49-F238E27FC236}">
+                <a16:creationId xmlns:a16="http://schemas.microsoft.com/office/drawing/2014/main" id="{FD32021C-78F3-A90A-B48B-A4300B7D74D3}"/>
+              </a:ext>
+            </a:extLst>
+          </p:cNvPr>
+          <p:cNvSpPr txBox="1"/>
+          <p:nvPr/>
+        </p:nvSpPr>
+        <p:spPr>
+          <a:xfrm>
+            <a:off x="838200" y="555171"/>
+            <a:ext cx="10776857" cy="707886"/>
+          </a:xfrm>
+          <a:prstGeom prst="rect">
+            <a:avLst/>
+          </a:prstGeom>
+          <a:noFill/>
+        </p:spPr>
+        <p:txBody>
+          <a:bodyPr wrap="square" rtlCol="0">
+            <a:spAutoFit/>
+          </a:bodyPr>
+          <a:lstStyle/>
+          <a:p>
+            <a:r>
+              <a:rPr lang="en-IN" sz="4000" b="1" dirty="0"/>
+              <a:t>Future Enhancements and Roadmap</a:t>
+            </a:r>
+          </a:p>
+        </p:txBody>
+      </p:sp>
+      <p:sp>
+        <p:nvSpPr>
+          <p:cNvPr id="5" name="TextBox 4">
+            <a:extLst>
+              <a:ext uri="{FF2B5EF4-FFF2-40B4-BE49-F238E27FC236}">
+                <a16:creationId xmlns:a16="http://schemas.microsoft.com/office/drawing/2014/main" id="{32F15A8B-70C1-82AC-380F-DB38822A6B36}"/>
+              </a:ext>
+            </a:extLst>
+          </p:cNvPr>
+          <p:cNvSpPr txBox="1"/>
+          <p:nvPr/>
+        </p:nvSpPr>
+        <p:spPr>
+          <a:xfrm>
+            <a:off x="489857" y="1175657"/>
+            <a:ext cx="11484429" cy="707886"/>
+          </a:xfrm>
+          <a:prstGeom prst="rect">
+            <a:avLst/>
+          </a:prstGeom>
+          <a:noFill/>
+        </p:spPr>
+        <p:txBody>
+          <a:bodyPr wrap="square" rtlCol="0">
+            <a:spAutoFit/>
+          </a:bodyPr>
+          <a:lstStyle/>
+          <a:p>
+            <a:r>
+              <a:rPr lang="en-US" sz="2000" dirty="0"/>
+              <a:t>Our vision for the AI-powered vulnerability scanner extends beyond its current capabilities, with continuous improvements planned.</a:t>
+            </a:r>
+          </a:p>
+        </p:txBody>
+      </p:sp>
+      <p:sp>
+        <p:nvSpPr>
+          <p:cNvPr id="6" name="TextBox 5">
+            <a:extLst>
+              <a:ext uri="{FF2B5EF4-FFF2-40B4-BE49-F238E27FC236}">
+                <a16:creationId xmlns:a16="http://schemas.microsoft.com/office/drawing/2014/main" id="{F49F5A2F-184D-4BFA-36A9-6CA20DA4672A}"/>
+              </a:ext>
+            </a:extLst>
+          </p:cNvPr>
+          <p:cNvSpPr txBox="1"/>
+          <p:nvPr/>
+        </p:nvSpPr>
+        <p:spPr>
+          <a:xfrm>
+            <a:off x="990599" y="2105561"/>
+            <a:ext cx="5007429" cy="1323439"/>
+          </a:xfrm>
+          <a:prstGeom prst="rect">
+            <a:avLst/>
+          </a:prstGeom>
+          <a:noFill/>
+          <a:ln w="28575">
+            <a:solidFill>
+              <a:schemeClr val="tx1"/>
+            </a:solidFill>
+          </a:ln>
+        </p:spPr>
+        <p:txBody>
+          <a:bodyPr wrap="square" rtlCol="0">
+            <a:spAutoFit/>
+          </a:bodyPr>
+          <a:lstStyle/>
+          <a:p>
+            <a:r>
+              <a:rPr lang="en-US" sz="2000" b="1" dirty="0"/>
+              <a:t>Expanded Language Support</a:t>
+            </a:r>
+          </a:p>
+          <a:p>
+            <a:r>
+              <a:rPr lang="en-US" sz="2000" dirty="0"/>
+              <a:t>Adding support for more programming languages like Java, C#, and Go to broaden its applicability.</a:t>
+            </a:r>
+          </a:p>
+        </p:txBody>
+      </p:sp>
+      <p:sp>
+        <p:nvSpPr>
+          <p:cNvPr id="7" name="TextBox 6">
+            <a:extLst>
+              <a:ext uri="{FF2B5EF4-FFF2-40B4-BE49-F238E27FC236}">
+                <a16:creationId xmlns:a16="http://schemas.microsoft.com/office/drawing/2014/main" id="{BF384547-3573-8463-B0EF-3D94C44C3029}"/>
+              </a:ext>
+            </a:extLst>
+          </p:cNvPr>
+          <p:cNvSpPr txBox="1"/>
+          <p:nvPr/>
+        </p:nvSpPr>
+        <p:spPr>
+          <a:xfrm>
+            <a:off x="6988627" y="2069106"/>
+            <a:ext cx="4528457" cy="1631216"/>
+          </a:xfrm>
+          <a:prstGeom prst="rect">
+            <a:avLst/>
+          </a:prstGeom>
+          <a:noFill/>
+          <a:ln w="28575">
+            <a:solidFill>
+              <a:schemeClr val="tx1"/>
+            </a:solidFill>
+          </a:ln>
+        </p:spPr>
+        <p:txBody>
+          <a:bodyPr wrap="square" rtlCol="0">
+            <a:spAutoFit/>
+          </a:bodyPr>
+          <a:lstStyle/>
+          <a:p>
+            <a:r>
+              <a:rPr lang="en-US" sz="2000" b="1" dirty="0"/>
+              <a:t>CI/CD Integration</a:t>
+            </a:r>
+          </a:p>
+          <a:p>
+            <a:r>
+              <a:rPr lang="en-US" sz="2000" dirty="0"/>
+              <a:t>Seamless integration with Continuous Integration/Continuous Deployment pipelines for automated, real-time scanning.</a:t>
+            </a:r>
+          </a:p>
+        </p:txBody>
+      </p:sp>
+      <p:sp>
+        <p:nvSpPr>
+          <p:cNvPr id="8" name="TextBox 7">
+            <a:extLst>
+              <a:ext uri="{FF2B5EF4-FFF2-40B4-BE49-F238E27FC236}">
+                <a16:creationId xmlns:a16="http://schemas.microsoft.com/office/drawing/2014/main" id="{DE28A9F6-1FDC-EE4C-AEFF-B6570C11C069}"/>
+              </a:ext>
+            </a:extLst>
+          </p:cNvPr>
+          <p:cNvSpPr txBox="1"/>
+          <p:nvPr/>
+        </p:nvSpPr>
+        <p:spPr>
+          <a:xfrm>
+            <a:off x="990599" y="4274542"/>
+            <a:ext cx="5007429" cy="1323439"/>
+          </a:xfrm>
+          <a:prstGeom prst="rect">
+            <a:avLst/>
+          </a:prstGeom>
+          <a:noFill/>
+          <a:ln w="28575">
+            <a:solidFill>
+              <a:schemeClr val="tx1"/>
+            </a:solidFill>
+          </a:ln>
+        </p:spPr>
+        <p:txBody>
+          <a:bodyPr wrap="square" rtlCol="0">
+            <a:spAutoFit/>
+          </a:bodyPr>
+          <a:lstStyle/>
+          <a:p>
+            <a:r>
+              <a:rPr lang="en-US" sz="2000" b="1" dirty="0"/>
+              <a:t>Automated Remediation Suggestions</a:t>
+            </a:r>
+          </a:p>
+          <a:p>
+            <a:r>
+              <a:rPr lang="en-US" sz="2000" dirty="0"/>
+              <a:t>Developing AI capabilities to not only identify but also suggest code-level fixes for detected vulnerabilities.</a:t>
+            </a:r>
+          </a:p>
+        </p:txBody>
+      </p:sp>
+      <p:sp>
+        <p:nvSpPr>
+          <p:cNvPr id="9" name="TextBox 8">
+            <a:extLst>
+              <a:ext uri="{FF2B5EF4-FFF2-40B4-BE49-F238E27FC236}">
+                <a16:creationId xmlns:a16="http://schemas.microsoft.com/office/drawing/2014/main" id="{44252874-5926-F10A-A618-6BC4A10D77F9}"/>
+              </a:ext>
+            </a:extLst>
+          </p:cNvPr>
+          <p:cNvSpPr txBox="1"/>
+          <p:nvPr/>
+        </p:nvSpPr>
+        <p:spPr>
+          <a:xfrm>
+            <a:off x="6988627" y="4228275"/>
+            <a:ext cx="4125686" cy="1323439"/>
+          </a:xfrm>
+          <a:prstGeom prst="rect">
+            <a:avLst/>
+          </a:prstGeom>
+          <a:noFill/>
+          <a:ln w="28575">
+            <a:solidFill>
+              <a:schemeClr val="tx1"/>
+            </a:solidFill>
+          </a:ln>
+        </p:spPr>
+        <p:txBody>
+          <a:bodyPr wrap="square" rtlCol="0">
+            <a:spAutoFit/>
+          </a:bodyPr>
+          <a:lstStyle/>
+          <a:p>
+            <a:r>
+              <a:rPr lang="en-US" sz="2000" b="1" dirty="0"/>
+              <a:t>Threat Intelligence Integration</a:t>
+            </a:r>
+          </a:p>
+          <a:p>
+            <a:r>
+              <a:rPr lang="en-US" sz="2000" dirty="0"/>
+              <a:t>Incorporating real-time threat intelligence feeds to detect emerging vulnerabilities and zero-day exploits.</a:t>
+            </a:r>
+          </a:p>
+        </p:txBody>
+      </p:sp>
+      <p:sp>
+        <p:nvSpPr>
+          <p:cNvPr id="10" name="TextBox 9">
+            <a:extLst>
+              <a:ext uri="{FF2B5EF4-FFF2-40B4-BE49-F238E27FC236}">
+                <a16:creationId xmlns:a16="http://schemas.microsoft.com/office/drawing/2014/main" id="{9E445E3B-1B38-3EFE-B167-EC4A0A07A1C8}"/>
+              </a:ext>
+            </a:extLst>
+          </p:cNvPr>
+          <p:cNvSpPr txBox="1"/>
+          <p:nvPr/>
+        </p:nvSpPr>
+        <p:spPr>
+          <a:xfrm>
+            <a:off x="707571" y="6172200"/>
+            <a:ext cx="10907486" cy="923330"/>
+          </a:xfrm>
+          <a:prstGeom prst="rect">
+            <a:avLst/>
+          </a:prstGeom>
+          <a:noFill/>
+        </p:spPr>
+        <p:txBody>
+          <a:bodyPr wrap="square" rtlCol="0">
+            <a:spAutoFit/>
+          </a:bodyPr>
+          <a:lstStyle/>
+          <a:p>
+            <a:r>
+              <a:rPr lang="en-US" dirty="0"/>
+              <a:t>These enhancements will further solidify the tool's position as an indispensable asset in the software security landscape.</a:t>
+            </a:r>
+          </a:p>
+          <a:p>
+            <a:endParaRPr lang="en-IN" dirty="0"/>
+          </a:p>
+        </p:txBody>
+      </p:sp>
+    </p:spTree>
+    <p:extLst>
+      <p:ext uri="{BB962C8B-B14F-4D97-AF65-F5344CB8AC3E}">
+        <p14:creationId xmlns:p14="http://schemas.microsoft.com/office/powerpoint/2010/main" val="279742667"/>
+      </p:ext>
+    </p:extLst>
+  </p:cSld>
+  <p:clrMapOvr>
+    <a:masterClrMapping/>
+  </p:clrMapOvr>
+</p:sld>
+</file>
+
+<file path=ppt/slides/slide12.xml><?xml version="1.0" encoding="utf-8"?>
+<p:sld xmlns:a="http://schemas.openxmlformats.org/drawingml/2006/main" xmlns:r="http://schemas.openxmlformats.org/officeDocument/2006/relationships" xmlns:p="http://schemas.openxmlformats.org/presentationml/2006/main">
+  <p:cSld>
+    <p:spTree>
+      <p:nvGrpSpPr>
+        <p:cNvPr id="1" name="">
+          <a:extLst>
+            <a:ext uri="{FF2B5EF4-FFF2-40B4-BE49-F238E27FC236}">
+              <a16:creationId xmlns:a16="http://schemas.microsoft.com/office/drawing/2014/main" id="{06EF9185-D481-7FA8-D1F0-733167129341}"/>
+            </a:ext>
+          </a:extLst>
+        </p:cNvPr>
+        <p:cNvGrpSpPr/>
+        <p:nvPr/>
+      </p:nvGrpSpPr>
+      <p:grpSpPr>
+        <a:xfrm>
+          <a:off x="0" y="0"/>
+          <a:ext cx="0" cy="0"/>
+          <a:chOff x="0" y="0"/>
+          <a:chExt cx="0" cy="0"/>
+        </a:xfrm>
+      </p:grpSpPr>
+      <p:sp>
+        <p:nvSpPr>
+          <p:cNvPr id="2" name="Rectangle 1">
+            <a:extLst>
+              <a:ext uri="{FF2B5EF4-FFF2-40B4-BE49-F238E27FC236}">
+                <a16:creationId xmlns:a16="http://schemas.microsoft.com/office/drawing/2014/main" id="{6E74B6D6-F5CB-EA1E-FD06-CD7A565A9D3D}"/>
+              </a:ext>
+            </a:extLst>
+          </p:cNvPr>
+          <p:cNvSpPr/>
+          <p:nvPr/>
+        </p:nvSpPr>
+        <p:spPr>
+          <a:xfrm>
+            <a:off x="0" y="0"/>
+            <a:ext cx="12192000" cy="6858000"/>
+          </a:xfrm>
+          <a:prstGeom prst="rect">
+            <a:avLst/>
+          </a:prstGeom>
+          <a:solidFill>
+            <a:schemeClr val="tx2">
+              <a:lumMod val="20000"/>
+              <a:lumOff val="80000"/>
+            </a:schemeClr>
+          </a:solidFill>
+        </p:spPr>
+        <p:style>
+          <a:lnRef idx="2">
+            <a:schemeClr val="accent1">
+              <a:shade val="15000"/>
+            </a:schemeClr>
+          </a:lnRef>
+          <a:fillRef idx="1">
+            <a:schemeClr val="accent1"/>
+          </a:fillRef>
+          <a:effectRef idx="0">
+            <a:schemeClr val="accent1"/>
+          </a:effectRef>
+          <a:fontRef idx="minor">
+            <a:schemeClr val="lt1"/>
+          </a:fontRef>
+        </p:style>
+        <p:txBody>
+          <a:bodyPr rtlCol="0" anchor="ctr"/>
+          <a:lstStyle/>
+          <a:p>
+            <a:pPr algn="ctr"/>
+            <a:endParaRPr lang="en-IN">
+              <a:solidFill>
+                <a:schemeClr val="bg1"/>
+              </a:solidFill>
+            </a:endParaRPr>
+          </a:p>
+        </p:txBody>
+      </p:sp>
+      <p:sp>
+        <p:nvSpPr>
+          <p:cNvPr id="3" name="TextBox 2">
+            <a:extLst>
+              <a:ext uri="{FF2B5EF4-FFF2-40B4-BE49-F238E27FC236}">
+                <a16:creationId xmlns:a16="http://schemas.microsoft.com/office/drawing/2014/main" id="{44DF0C70-B6BC-8403-BA70-3D473C148634}"/>
+              </a:ext>
+            </a:extLst>
+          </p:cNvPr>
+          <p:cNvSpPr txBox="1"/>
+          <p:nvPr/>
+        </p:nvSpPr>
+        <p:spPr>
+          <a:xfrm>
+            <a:off x="849086" y="370114"/>
+            <a:ext cx="7456714" cy="984885"/>
+          </a:xfrm>
+          <a:prstGeom prst="rect">
+            <a:avLst/>
+          </a:prstGeom>
+          <a:noFill/>
+        </p:spPr>
+        <p:txBody>
+          <a:bodyPr wrap="square" rtlCol="0">
+            <a:spAutoFit/>
+          </a:bodyPr>
+          <a:lstStyle/>
+          <a:p>
+            <a:r>
+              <a:rPr lang="en-IN" sz="4000" b="1" dirty="0"/>
+              <a:t>Key Takeaways &amp; Next Steps</a:t>
+            </a:r>
+          </a:p>
+          <a:p>
+            <a:endParaRPr lang="en-IN" dirty="0"/>
+          </a:p>
+        </p:txBody>
+      </p:sp>
+      <p:sp>
+        <p:nvSpPr>
+          <p:cNvPr id="5" name="TextBox 4">
+            <a:extLst>
+              <a:ext uri="{FF2B5EF4-FFF2-40B4-BE49-F238E27FC236}">
+                <a16:creationId xmlns:a16="http://schemas.microsoft.com/office/drawing/2014/main" id="{A68A6641-544E-079F-B193-BBED1AA41C12}"/>
+              </a:ext>
+            </a:extLst>
+          </p:cNvPr>
+          <p:cNvSpPr txBox="1"/>
+          <p:nvPr/>
+        </p:nvSpPr>
+        <p:spPr>
+          <a:xfrm>
+            <a:off x="473529" y="2459504"/>
+            <a:ext cx="4288971" cy="1323439"/>
+          </a:xfrm>
+          <a:prstGeom prst="rect">
+            <a:avLst/>
+          </a:prstGeom>
+          <a:noFill/>
+          <a:ln w="28575">
+            <a:solidFill>
+              <a:schemeClr val="tx1"/>
+            </a:solidFill>
+          </a:ln>
+        </p:spPr>
+        <p:txBody>
+          <a:bodyPr wrap="square" rtlCol="0">
+            <a:spAutoFit/>
+          </a:bodyPr>
+          <a:lstStyle/>
+          <a:p>
+            <a:r>
+              <a:rPr lang="en-US" sz="2000" b="1" dirty="0"/>
+              <a:t>Automated Efficiency</a:t>
+            </a:r>
+          </a:p>
+          <a:p>
+            <a:r>
+              <a:rPr lang="en-US" sz="2000" dirty="0"/>
+              <a:t>AI-powered scanning dramatically reduces the time and effort required for vulnerability identification.</a:t>
+            </a:r>
+          </a:p>
+        </p:txBody>
+      </p:sp>
+      <p:sp>
+        <p:nvSpPr>
+          <p:cNvPr id="6" name="TextBox 5">
+            <a:extLst>
+              <a:ext uri="{FF2B5EF4-FFF2-40B4-BE49-F238E27FC236}">
+                <a16:creationId xmlns:a16="http://schemas.microsoft.com/office/drawing/2014/main" id="{3AFD3C71-5060-FE1F-FFC5-31361CE8883E}"/>
+              </a:ext>
+            </a:extLst>
+          </p:cNvPr>
+          <p:cNvSpPr txBox="1"/>
+          <p:nvPr/>
+        </p:nvSpPr>
+        <p:spPr>
+          <a:xfrm>
+            <a:off x="5236029" y="2305616"/>
+            <a:ext cx="3069771" cy="1938992"/>
+          </a:xfrm>
+          <a:prstGeom prst="rect">
+            <a:avLst/>
+          </a:prstGeom>
+          <a:noFill/>
+          <a:ln w="28575">
+            <a:solidFill>
+              <a:schemeClr val="tx1"/>
+            </a:solidFill>
+          </a:ln>
+        </p:spPr>
+        <p:txBody>
+          <a:bodyPr wrap="square" rtlCol="0">
+            <a:spAutoFit/>
+          </a:bodyPr>
+          <a:lstStyle/>
+          <a:p>
+            <a:r>
+              <a:rPr lang="en-US" sz="2000" b="1" dirty="0"/>
+              <a:t>Enhanced Accuracy</a:t>
+            </a:r>
+          </a:p>
+          <a:p>
+            <a:r>
+              <a:rPr lang="en-US" sz="2000" dirty="0"/>
+              <a:t>Intelligent algorithms provide more precise detection and fewer false positives than manual methods.</a:t>
+            </a:r>
+          </a:p>
+        </p:txBody>
+      </p:sp>
+      <p:sp>
+        <p:nvSpPr>
+          <p:cNvPr id="7" name="TextBox 6">
+            <a:extLst>
+              <a:ext uri="{FF2B5EF4-FFF2-40B4-BE49-F238E27FC236}">
+                <a16:creationId xmlns:a16="http://schemas.microsoft.com/office/drawing/2014/main" id="{610F1140-D5B4-FBD1-F583-671478273C7A}"/>
+              </a:ext>
+            </a:extLst>
+          </p:cNvPr>
+          <p:cNvSpPr txBox="1"/>
+          <p:nvPr/>
+        </p:nvSpPr>
+        <p:spPr>
+          <a:xfrm>
+            <a:off x="8784771" y="2305616"/>
+            <a:ext cx="2928257" cy="1631216"/>
+          </a:xfrm>
+          <a:prstGeom prst="rect">
+            <a:avLst/>
+          </a:prstGeom>
+          <a:noFill/>
+          <a:ln w="28575">
+            <a:solidFill>
+              <a:schemeClr val="tx1"/>
+            </a:solidFill>
+          </a:ln>
+        </p:spPr>
+        <p:txBody>
+          <a:bodyPr wrap="square" rtlCol="0">
+            <a:spAutoFit/>
+          </a:bodyPr>
+          <a:lstStyle/>
+          <a:p>
+            <a:r>
+              <a:rPr lang="en-US" sz="2000" b="1" dirty="0"/>
+              <a:t>Risk-Based Prioritization</a:t>
+            </a:r>
+          </a:p>
+          <a:p>
+            <a:r>
+              <a:rPr lang="en-US" sz="2000" dirty="0"/>
+              <a:t>Focus on critical issues first, ensuring efficient and impactful remediation efforts.</a:t>
+            </a:r>
+          </a:p>
+        </p:txBody>
+      </p:sp>
+      <p:sp>
+        <p:nvSpPr>
+          <p:cNvPr id="8" name="TextBox 7">
+            <a:extLst>
+              <a:ext uri="{FF2B5EF4-FFF2-40B4-BE49-F238E27FC236}">
+                <a16:creationId xmlns:a16="http://schemas.microsoft.com/office/drawing/2014/main" id="{DEDF23D2-8CBC-1EC3-9578-80EAF7F8CE1D}"/>
+              </a:ext>
+            </a:extLst>
+          </p:cNvPr>
+          <p:cNvSpPr txBox="1"/>
+          <p:nvPr/>
+        </p:nvSpPr>
+        <p:spPr>
+          <a:xfrm>
+            <a:off x="370114" y="5841555"/>
+            <a:ext cx="11125200" cy="707886"/>
+          </a:xfrm>
+          <a:prstGeom prst="rect">
+            <a:avLst/>
+          </a:prstGeom>
+          <a:noFill/>
         </p:spPr>
         <p:txBody>
           <a:bodyPr wrap="square" rtlCol="0">
@@ -4453,6 +5257,221 @@
     <p:extLst>
       <p:ext uri="{BB962C8B-B14F-4D97-AF65-F5344CB8AC3E}">
         <p14:creationId xmlns:p14="http://schemas.microsoft.com/office/powerpoint/2010/main" val="96095093"/>
+      </p:ext>
+    </p:extLst>
+  </p:cSld>
+  <p:clrMapOvr>
+    <a:masterClrMapping/>
+  </p:clrMapOvr>
+</p:sld>
+</file>
+
+<file path=ppt/slides/slide13.xml><?xml version="1.0" encoding="utf-8"?>
+<p:sld xmlns:a="http://schemas.openxmlformats.org/drawingml/2006/main" xmlns:r="http://schemas.openxmlformats.org/officeDocument/2006/relationships" xmlns:p="http://schemas.openxmlformats.org/presentationml/2006/main">
+  <p:cSld>
+    <p:spTree>
+      <p:nvGrpSpPr>
+        <p:cNvPr id="1" name=""/>
+        <p:cNvGrpSpPr/>
+        <p:nvPr/>
+      </p:nvGrpSpPr>
+      <p:grpSpPr>
+        <a:xfrm>
+          <a:off x="0" y="0"/>
+          <a:ext cx="0" cy="0"/>
+          <a:chOff x="0" y="0"/>
+          <a:chExt cx="0" cy="0"/>
+        </a:xfrm>
+      </p:grpSpPr>
+      <p:sp>
+        <p:nvSpPr>
+          <p:cNvPr id="4" name="Rectangle 3">
+            <a:extLst>
+              <a:ext uri="{FF2B5EF4-FFF2-40B4-BE49-F238E27FC236}">
+                <a16:creationId xmlns:a16="http://schemas.microsoft.com/office/drawing/2014/main" id="{1A3BE89B-D9B5-7D1B-7B35-ADC39871D156}"/>
+              </a:ext>
+            </a:extLst>
+          </p:cNvPr>
+          <p:cNvSpPr/>
+          <p:nvPr/>
+        </p:nvSpPr>
+        <p:spPr>
+          <a:xfrm>
+            <a:off x="0" y="0"/>
+            <a:ext cx="12192000" cy="6858000"/>
+          </a:xfrm>
+          <a:prstGeom prst="rect">
+            <a:avLst/>
+          </a:prstGeom>
+          <a:solidFill>
+            <a:schemeClr val="tx2">
+              <a:lumMod val="20000"/>
+              <a:lumOff val="80000"/>
+            </a:schemeClr>
+          </a:solidFill>
+        </p:spPr>
+        <p:style>
+          <a:lnRef idx="2">
+            <a:schemeClr val="accent1">
+              <a:shade val="15000"/>
+            </a:schemeClr>
+          </a:lnRef>
+          <a:fillRef idx="1">
+            <a:schemeClr val="accent1"/>
+          </a:fillRef>
+          <a:effectRef idx="0">
+            <a:schemeClr val="accent1"/>
+          </a:effectRef>
+          <a:fontRef idx="minor">
+            <a:schemeClr val="lt1"/>
+          </a:fontRef>
+        </p:style>
+        <p:txBody>
+          <a:bodyPr rtlCol="0" anchor="ctr"/>
+          <a:lstStyle/>
+          <a:p>
+            <a:pPr algn="ctr"/>
+            <a:endParaRPr lang="en-IN"/>
+          </a:p>
+        </p:txBody>
+      </p:sp>
+      <p:sp>
+        <p:nvSpPr>
+          <p:cNvPr id="5" name="TextBox 4">
+            <a:extLst>
+              <a:ext uri="{FF2B5EF4-FFF2-40B4-BE49-F238E27FC236}">
+                <a16:creationId xmlns:a16="http://schemas.microsoft.com/office/drawing/2014/main" id="{2405A7DD-37E0-EF07-11DF-2C522AEA660D}"/>
+              </a:ext>
+            </a:extLst>
+          </p:cNvPr>
+          <p:cNvSpPr txBox="1"/>
+          <p:nvPr/>
+        </p:nvSpPr>
+        <p:spPr>
+          <a:xfrm>
+            <a:off x="2177143" y="1937657"/>
+            <a:ext cx="8044543" cy="1569660"/>
+          </a:xfrm>
+          <a:prstGeom prst="rect">
+            <a:avLst/>
+          </a:prstGeom>
+          <a:noFill/>
+        </p:spPr>
+        <p:txBody>
+          <a:bodyPr wrap="square" rtlCol="0">
+            <a:spAutoFit/>
+          </a:bodyPr>
+          <a:lstStyle/>
+          <a:p>
+            <a:pPr algn="ctr"/>
+            <a:r>
+              <a:rPr lang="en-GB" sz="9600" dirty="0"/>
+              <a:t>THANK YOU!!</a:t>
+            </a:r>
+            <a:endParaRPr lang="en-IN" sz="9600" dirty="0"/>
+          </a:p>
+        </p:txBody>
+      </p:sp>
+      <p:sp>
+        <p:nvSpPr>
+          <p:cNvPr id="6" name="TextBox 5">
+            <a:extLst>
+              <a:ext uri="{FF2B5EF4-FFF2-40B4-BE49-F238E27FC236}">
+                <a16:creationId xmlns:a16="http://schemas.microsoft.com/office/drawing/2014/main" id="{4C8A7882-2B6D-78B5-FA14-9811C7627BF6}"/>
+              </a:ext>
+            </a:extLst>
+          </p:cNvPr>
+          <p:cNvSpPr txBox="1"/>
+          <p:nvPr/>
+        </p:nvSpPr>
+        <p:spPr>
+          <a:xfrm>
+            <a:off x="576942" y="4125686"/>
+            <a:ext cx="5366657" cy="1477328"/>
+          </a:xfrm>
+          <a:prstGeom prst="rect">
+            <a:avLst/>
+          </a:prstGeom>
+          <a:noFill/>
+        </p:spPr>
+        <p:txBody>
+          <a:bodyPr wrap="square" rtlCol="0">
+            <a:spAutoFit/>
+          </a:bodyPr>
+          <a:lstStyle/>
+          <a:p>
+            <a:pPr algn="ctr"/>
+            <a:r>
+              <a:rPr lang="en-GB" b="1" dirty="0"/>
+              <a:t>CODEHOLIC</a:t>
+            </a:r>
+          </a:p>
+          <a:p>
+            <a:r>
+              <a:rPr lang="en-GB" b="1" dirty="0"/>
+              <a:t>AIZAH WASEEM - 25BAI1627</a:t>
+            </a:r>
+          </a:p>
+          <a:p>
+            <a:r>
+              <a:rPr lang="en-GB" b="1" dirty="0"/>
+              <a:t>VIDUSHI BHATT - 25BCE1581</a:t>
+            </a:r>
+          </a:p>
+          <a:p>
+            <a:r>
+              <a:rPr lang="en-IN" b="1" dirty="0"/>
+              <a:t>FARDEEN MOHAMMED - 25BAI1673</a:t>
+            </a:r>
+          </a:p>
+          <a:p>
+            <a:r>
+              <a:rPr lang="en-IN" b="1" dirty="0"/>
+              <a:t>PRATEERTH – 25BPS1026</a:t>
+            </a:r>
+          </a:p>
+        </p:txBody>
+      </p:sp>
+      <p:sp>
+        <p:nvSpPr>
+          <p:cNvPr id="7" name="TextBox 6">
+            <a:extLst>
+              <a:ext uri="{FF2B5EF4-FFF2-40B4-BE49-F238E27FC236}">
+                <a16:creationId xmlns:a16="http://schemas.microsoft.com/office/drawing/2014/main" id="{5ECD05E3-D289-EBBD-CDDA-5C285DB1D391}"/>
+              </a:ext>
+            </a:extLst>
+          </p:cNvPr>
+          <p:cNvSpPr txBox="1"/>
+          <p:nvPr/>
+        </p:nvSpPr>
+        <p:spPr>
+          <a:xfrm>
+            <a:off x="8763000" y="5889172"/>
+            <a:ext cx="3320144" cy="400110"/>
+          </a:xfrm>
+          <a:prstGeom prst="rect">
+            <a:avLst/>
+          </a:prstGeom>
+          <a:noFill/>
+        </p:spPr>
+        <p:txBody>
+          <a:bodyPr wrap="square" rtlCol="0">
+            <a:spAutoFit/>
+          </a:bodyPr>
+          <a:lstStyle/>
+          <a:p>
+            <a:r>
+              <a:rPr lang="en-GB" sz="2000" b="1" dirty="0"/>
+              <a:t>DATA QUEST 2.0 HACKATHON</a:t>
+            </a:r>
+            <a:endParaRPr lang="en-IN" sz="2000" b="1" dirty="0"/>
+          </a:p>
+        </p:txBody>
+      </p:sp>
+    </p:spTree>
+    <p:extLst>
+      <p:ext uri="{BB962C8B-B14F-4D97-AF65-F5344CB8AC3E}">
+        <p14:creationId xmlns:p14="http://schemas.microsoft.com/office/powerpoint/2010/main" val="2512704265"/>
       </p:ext>
     </p:extLst>
   </p:cSld>
@@ -4484,7 +5503,7 @@
           <p:cNvPr id="2" name="Rectangle 1">
             <a:extLst>
               <a:ext uri="{FF2B5EF4-FFF2-40B4-BE49-F238E27FC236}">
-                <a16:creationId xmlns:a16="http://schemas.microsoft.com/office/drawing/2014/main" id="{E1FBA802-0E79-F5F3-847E-82EC161C5B3B}"/>
+                <a16:creationId xmlns:a16="http://schemas.microsoft.com/office/drawing/2014/main" id="{A3F20A55-982A-41FB-CB9E-C2DCE7BF76AA}"/>
               </a:ext>
             </a:extLst>
           </p:cNvPr>
@@ -4527,58 +5546,91 @@
           <a:lstStyle/>
           <a:p>
             <a:pPr algn="ctr"/>
-            <a:endParaRPr lang="en-IN">
-              <a:solidFill>
-                <a:schemeClr val="bg1"/>
-              </a:solidFill>
-            </a:endParaRPr>
-          </a:p>
-        </p:txBody>
-      </p:sp>
-      <p:sp>
-        <p:nvSpPr>
-          <p:cNvPr id="4" name="TextBox 3">
-            <a:extLst>
-              <a:ext uri="{FF2B5EF4-FFF2-40B4-BE49-F238E27FC236}">
-                <a16:creationId xmlns:a16="http://schemas.microsoft.com/office/drawing/2014/main" id="{7B3F07BB-C7B9-81AE-297B-AB88544FF36D}"/>
-              </a:ext>
-            </a:extLst>
-          </p:cNvPr>
-          <p:cNvSpPr txBox="1"/>
+            <a:endParaRPr lang="en-IN"/>
+          </a:p>
+        </p:txBody>
+      </p:sp>
+      <p:pic>
+        <p:nvPicPr>
+          <p:cNvPr id="6" name="Picture 5">
+            <a:extLst>
+              <a:ext uri="{FF2B5EF4-FFF2-40B4-BE49-F238E27FC236}">
+                <a16:creationId xmlns:a16="http://schemas.microsoft.com/office/drawing/2014/main" id="{E9B4AE3E-D596-B312-0AB0-F00E9BDFBEB0}"/>
+              </a:ext>
+            </a:extLst>
+          </p:cNvPr>
+          <p:cNvPicPr>
+            <a:picLocks noChangeAspect="1"/>
+          </p:cNvPicPr>
           <p:nvPr/>
-        </p:nvSpPr>
-        <p:spPr>
-          <a:xfrm>
-            <a:off x="1382486" y="468086"/>
-            <a:ext cx="9818914" cy="923330"/>
+        </p:nvPicPr>
+        <p:blipFill>
+          <a:blip r:embed="rId2">
+            <a:extLst>
+              <a:ext uri="{28A0092B-C50C-407E-A947-70E740481C1C}">
+                <a14:useLocalDpi xmlns:a14="http://schemas.microsoft.com/office/drawing/2010/main" val="0"/>
+              </a:ext>
+            </a:extLst>
+          </a:blip>
+          <a:stretch>
+            <a:fillRect/>
+          </a:stretch>
+        </p:blipFill>
+        <p:spPr>
+          <a:xfrm>
+            <a:off x="1632853" y="1208312"/>
+            <a:ext cx="8599717" cy="3931299"/>
           </a:xfrm>
           <a:prstGeom prst="rect">
             <a:avLst/>
           </a:prstGeom>
-          <a:noFill/>
-        </p:spPr>
-        <p:txBody>
-          <a:bodyPr wrap="square" rtlCol="0">
-            <a:spAutoFit/>
-          </a:bodyPr>
-          <a:lstStyle/>
-          <a:p>
-            <a:r>
-              <a:rPr lang="en-US" sz="3600" b="1" dirty="0"/>
-              <a:t>The Challenge: Manual Vulnerability Identification</a:t>
-            </a:r>
-          </a:p>
-          <a:p>
-            <a:endParaRPr lang="en-IN" dirty="0"/>
-          </a:p>
-        </p:txBody>
-      </p:sp>
-      <p:sp>
-        <p:nvSpPr>
-          <p:cNvPr id="5" name="TextBox 4">
-            <a:extLst>
-              <a:ext uri="{FF2B5EF4-FFF2-40B4-BE49-F238E27FC236}">
-                <a16:creationId xmlns:a16="http://schemas.microsoft.com/office/drawing/2014/main" id="{8E3944E4-E20F-471E-6A5E-18067DAAF769}"/>
+        </p:spPr>
+      </p:pic>
+      <p:cxnSp>
+        <p:nvCxnSpPr>
+          <p:cNvPr id="8" name="Straight Arrow Connector 7">
+            <a:extLst>
+              <a:ext uri="{FF2B5EF4-FFF2-40B4-BE49-F238E27FC236}">
+                <a16:creationId xmlns:a16="http://schemas.microsoft.com/office/drawing/2014/main" id="{C9172824-CBA1-3EC1-210A-6D81FC59CDB7}"/>
+              </a:ext>
+            </a:extLst>
+          </p:cNvPr>
+          <p:cNvCxnSpPr/>
+          <p:nvPr/>
+        </p:nvCxnSpPr>
+        <p:spPr>
+          <a:xfrm flipV="1">
+            <a:off x="9252857" y="2318657"/>
+            <a:ext cx="1447800" cy="1197429"/>
+          </a:xfrm>
+          <a:prstGeom prst="straightConnector1">
+            <a:avLst/>
+          </a:prstGeom>
+          <a:ln>
+            <a:tailEnd type="triangle"/>
+          </a:ln>
+        </p:spPr>
+        <p:style>
+          <a:lnRef idx="1">
+            <a:schemeClr val="accent2"/>
+          </a:lnRef>
+          <a:fillRef idx="0">
+            <a:schemeClr val="accent2"/>
+          </a:fillRef>
+          <a:effectRef idx="0">
+            <a:schemeClr val="accent2"/>
+          </a:effectRef>
+          <a:fontRef idx="minor">
+            <a:schemeClr val="tx1"/>
+          </a:fontRef>
+        </p:style>
+      </p:cxnSp>
+      <p:sp>
+        <p:nvSpPr>
+          <p:cNvPr id="9" name="TextBox 8">
+            <a:extLst>
+              <a:ext uri="{FF2B5EF4-FFF2-40B4-BE49-F238E27FC236}">
+                <a16:creationId xmlns:a16="http://schemas.microsoft.com/office/drawing/2014/main" id="{CA4FAAE0-321B-1999-108F-5DD309DD91B2}"/>
               </a:ext>
             </a:extLst>
           </p:cNvPr>
@@ -4587,8 +5639,8 @@
         </p:nvSpPr>
         <p:spPr>
           <a:xfrm>
-            <a:off x="736150" y="1877738"/>
-            <a:ext cx="3646714" cy="3416320"/>
+            <a:off x="10711543" y="1796143"/>
+            <a:ext cx="1262743" cy="1477328"/>
           </a:xfrm>
           <a:prstGeom prst="rect">
             <a:avLst/>
@@ -4607,24 +5659,58 @@
           <a:lstStyle/>
           <a:p>
             <a:r>
-              <a:rPr lang="en-US" sz="2400" b="1" dirty="0"/>
-              <a:t>Time-Consuming</a:t>
-            </a:r>
-          </a:p>
-          <a:p>
-            <a:r>
-              <a:rPr lang="en-US" sz="2400" dirty="0"/>
-              <a:t>Manually reviewing large codebases for security flaws is an incredibly laborious process, often requiring significant developer hours that could be spent on feature development or innovation.</a:t>
-            </a:r>
-          </a:p>
-        </p:txBody>
-      </p:sp>
-      <p:sp>
-        <p:nvSpPr>
-          <p:cNvPr id="11" name="TextBox 10">
-            <a:extLst>
-              <a:ext uri="{FF2B5EF4-FFF2-40B4-BE49-F238E27FC236}">
-                <a16:creationId xmlns:a16="http://schemas.microsoft.com/office/drawing/2014/main" id="{E3591BCC-131B-9FE9-2144-013A408C423B}"/>
+              <a:rPr lang="en-GB" dirty="0"/>
+              <a:t>Integrated AI for efficient code scanning</a:t>
+            </a:r>
+            <a:endParaRPr lang="en-IN" dirty="0"/>
+          </a:p>
+        </p:txBody>
+      </p:sp>
+      <p:cxnSp>
+        <p:nvCxnSpPr>
+          <p:cNvPr id="11" name="Straight Arrow Connector 10">
+            <a:extLst>
+              <a:ext uri="{FF2B5EF4-FFF2-40B4-BE49-F238E27FC236}">
+                <a16:creationId xmlns:a16="http://schemas.microsoft.com/office/drawing/2014/main" id="{87CA4B92-F275-EE59-3E9F-F68605A526F2}"/>
+              </a:ext>
+            </a:extLst>
+          </p:cNvPr>
+          <p:cNvCxnSpPr/>
+          <p:nvPr/>
+        </p:nvCxnSpPr>
+        <p:spPr>
+          <a:xfrm flipH="1">
+            <a:off x="2721429" y="4321629"/>
+            <a:ext cx="1251857" cy="1110342"/>
+          </a:xfrm>
+          <a:prstGeom prst="straightConnector1">
+            <a:avLst/>
+          </a:prstGeom>
+          <a:ln>
+            <a:tailEnd type="triangle"/>
+          </a:ln>
+        </p:spPr>
+        <p:style>
+          <a:lnRef idx="1">
+            <a:schemeClr val="accent2"/>
+          </a:lnRef>
+          <a:fillRef idx="0">
+            <a:schemeClr val="accent2"/>
+          </a:fillRef>
+          <a:effectRef idx="0">
+            <a:schemeClr val="accent2"/>
+          </a:effectRef>
+          <a:fontRef idx="minor">
+            <a:schemeClr val="tx1"/>
+          </a:fontRef>
+        </p:style>
+      </p:cxnSp>
+      <p:sp>
+        <p:nvSpPr>
+          <p:cNvPr id="12" name="TextBox 11">
+            <a:extLst>
+              <a:ext uri="{FF2B5EF4-FFF2-40B4-BE49-F238E27FC236}">
+                <a16:creationId xmlns:a16="http://schemas.microsoft.com/office/drawing/2014/main" id="{EC98204A-1E8E-D254-40E1-C5587F4599A2}"/>
               </a:ext>
             </a:extLst>
           </p:cNvPr>
@@ -4633,8 +5719,8 @@
         </p:nvSpPr>
         <p:spPr>
           <a:xfrm>
-            <a:off x="4786995" y="2062404"/>
-            <a:ext cx="3766457" cy="3046988"/>
+            <a:off x="1317171" y="5540829"/>
+            <a:ext cx="3069772" cy="646331"/>
           </a:xfrm>
           <a:prstGeom prst="rect">
             <a:avLst/>
@@ -4653,24 +5739,58 @@
           <a:lstStyle/>
           <a:p>
             <a:r>
-              <a:rPr lang="en-US" sz="2400" b="1" dirty="0"/>
-              <a:t>Error-Prone</a:t>
-            </a:r>
-          </a:p>
-          <a:p>
-            <a:r>
-              <a:rPr lang="en-US" sz="2400" dirty="0"/>
-              <a:t>Human reviewers, despite their expertise, are susceptible to oversight, fatigue, and inconsistencies, leading to missed vulnerabilities and potential security breaches.</a:t>
-            </a:r>
-          </a:p>
-        </p:txBody>
-      </p:sp>
-      <p:sp>
-        <p:nvSpPr>
-          <p:cNvPr id="13" name="TextBox 12">
-            <a:extLst>
-              <a:ext uri="{FF2B5EF4-FFF2-40B4-BE49-F238E27FC236}">
-                <a16:creationId xmlns:a16="http://schemas.microsoft.com/office/drawing/2014/main" id="{47A3F139-7295-8BE8-FF25-A233D7FE7DD0}"/>
+              <a:rPr lang="en-GB" dirty="0"/>
+              <a:t>Upload your files easily by browsing through your files</a:t>
+            </a:r>
+            <a:endParaRPr lang="en-IN" dirty="0"/>
+          </a:p>
+        </p:txBody>
+      </p:sp>
+      <p:cxnSp>
+        <p:nvCxnSpPr>
+          <p:cNvPr id="14" name="Straight Arrow Connector 13">
+            <a:extLst>
+              <a:ext uri="{FF2B5EF4-FFF2-40B4-BE49-F238E27FC236}">
+                <a16:creationId xmlns:a16="http://schemas.microsoft.com/office/drawing/2014/main" id="{E0598A01-3029-A8B0-B920-D39EFC2E779C}"/>
+              </a:ext>
+            </a:extLst>
+          </p:cNvPr>
+          <p:cNvCxnSpPr/>
+          <p:nvPr/>
+        </p:nvCxnSpPr>
+        <p:spPr>
+          <a:xfrm flipH="1">
+            <a:off x="1415143" y="3113314"/>
+            <a:ext cx="2471057" cy="0"/>
+          </a:xfrm>
+          <a:prstGeom prst="straightConnector1">
+            <a:avLst/>
+          </a:prstGeom>
+          <a:ln>
+            <a:tailEnd type="triangle"/>
+          </a:ln>
+        </p:spPr>
+        <p:style>
+          <a:lnRef idx="1">
+            <a:schemeClr val="accent2"/>
+          </a:lnRef>
+          <a:fillRef idx="0">
+            <a:schemeClr val="accent2"/>
+          </a:fillRef>
+          <a:effectRef idx="0">
+            <a:schemeClr val="accent2"/>
+          </a:effectRef>
+          <a:fontRef idx="minor">
+            <a:schemeClr val="tx1"/>
+          </a:fontRef>
+        </p:style>
+      </p:cxnSp>
+      <p:sp>
+        <p:nvSpPr>
+          <p:cNvPr id="15" name="TextBox 14">
+            <a:extLst>
+              <a:ext uri="{FF2B5EF4-FFF2-40B4-BE49-F238E27FC236}">
+                <a16:creationId xmlns:a16="http://schemas.microsoft.com/office/drawing/2014/main" id="{587B2A03-8185-A874-122C-D0573761F92D}"/>
               </a:ext>
             </a:extLst>
           </p:cNvPr>
@@ -4679,8 +5799,8 @@
         </p:nvSpPr>
         <p:spPr>
           <a:xfrm>
-            <a:off x="8957583" y="1630496"/>
-            <a:ext cx="2830286" cy="4154984"/>
+            <a:off x="0" y="2895600"/>
+            <a:ext cx="1317171" cy="646331"/>
           </a:xfrm>
           <a:prstGeom prst="rect">
             <a:avLst/>
@@ -4698,6 +5818,414 @@
           </a:bodyPr>
           <a:lstStyle/>
           <a:p>
+            <a:r>
+              <a:rPr lang="en-GB" dirty="0"/>
+              <a:t>Supported formats</a:t>
+            </a:r>
+            <a:endParaRPr lang="en-IN" dirty="0"/>
+          </a:p>
+        </p:txBody>
+      </p:sp>
+    </p:spTree>
+    <p:extLst>
+      <p:ext uri="{BB962C8B-B14F-4D97-AF65-F5344CB8AC3E}">
+        <p14:creationId xmlns:p14="http://schemas.microsoft.com/office/powerpoint/2010/main" val="1875845218"/>
+      </p:ext>
+    </p:extLst>
+  </p:cSld>
+  <p:clrMapOvr>
+    <a:masterClrMapping/>
+  </p:clrMapOvr>
+</p:sld>
+</file>
+
+<file path=ppt/slides/slide3.xml><?xml version="1.0" encoding="utf-8"?>
+<p:sld xmlns:a="http://schemas.openxmlformats.org/drawingml/2006/main" xmlns:r="http://schemas.openxmlformats.org/officeDocument/2006/relationships" xmlns:p="http://schemas.openxmlformats.org/presentationml/2006/main">
+  <p:cSld>
+    <p:spTree>
+      <p:nvGrpSpPr>
+        <p:cNvPr id="1" name=""/>
+        <p:cNvGrpSpPr/>
+        <p:nvPr/>
+      </p:nvGrpSpPr>
+      <p:grpSpPr>
+        <a:xfrm>
+          <a:off x="0" y="0"/>
+          <a:ext cx="0" cy="0"/>
+          <a:chOff x="0" y="0"/>
+          <a:chExt cx="0" cy="0"/>
+        </a:xfrm>
+      </p:grpSpPr>
+      <p:sp>
+        <p:nvSpPr>
+          <p:cNvPr id="2" name="Rectangle 1">
+            <a:extLst>
+              <a:ext uri="{FF2B5EF4-FFF2-40B4-BE49-F238E27FC236}">
+                <a16:creationId xmlns:a16="http://schemas.microsoft.com/office/drawing/2014/main" id="{F7DCB396-2F40-B4C3-59E1-C567E1B2E942}"/>
+              </a:ext>
+            </a:extLst>
+          </p:cNvPr>
+          <p:cNvSpPr/>
+          <p:nvPr/>
+        </p:nvSpPr>
+        <p:spPr>
+          <a:xfrm>
+            <a:off x="0" y="0"/>
+            <a:ext cx="12192000" cy="6858000"/>
+          </a:xfrm>
+          <a:prstGeom prst="rect">
+            <a:avLst/>
+          </a:prstGeom>
+          <a:solidFill>
+            <a:schemeClr val="accent1">
+              <a:lumMod val="20000"/>
+              <a:lumOff val="80000"/>
+            </a:schemeClr>
+          </a:solidFill>
+        </p:spPr>
+        <p:style>
+          <a:lnRef idx="2">
+            <a:schemeClr val="accent1">
+              <a:shade val="15000"/>
+            </a:schemeClr>
+          </a:lnRef>
+          <a:fillRef idx="1">
+            <a:schemeClr val="accent1"/>
+          </a:fillRef>
+          <a:effectRef idx="0">
+            <a:schemeClr val="accent1"/>
+          </a:effectRef>
+          <a:fontRef idx="minor">
+            <a:schemeClr val="lt1"/>
+          </a:fontRef>
+        </p:style>
+        <p:txBody>
+          <a:bodyPr rtlCol="0" anchor="ctr"/>
+          <a:lstStyle/>
+          <a:p>
+            <a:pPr algn="ctr"/>
+            <a:endParaRPr lang="en-IN"/>
+          </a:p>
+        </p:txBody>
+      </p:sp>
+      <p:pic>
+        <p:nvPicPr>
+          <p:cNvPr id="4" name="Picture 3">
+            <a:extLst>
+              <a:ext uri="{FF2B5EF4-FFF2-40B4-BE49-F238E27FC236}">
+                <a16:creationId xmlns:a16="http://schemas.microsoft.com/office/drawing/2014/main" id="{AB8CAEC6-7BDB-A880-A28A-8731EAB4A420}"/>
+              </a:ext>
+            </a:extLst>
+          </p:cNvPr>
+          <p:cNvPicPr>
+            <a:picLocks noChangeAspect="1"/>
+          </p:cNvPicPr>
+          <p:nvPr/>
+        </p:nvPicPr>
+        <p:blipFill>
+          <a:blip r:embed="rId2"/>
+          <a:stretch>
+            <a:fillRect/>
+          </a:stretch>
+        </p:blipFill>
+        <p:spPr>
+          <a:xfrm>
+            <a:off x="1386618" y="1730828"/>
+            <a:ext cx="9026880" cy="4263782"/>
+          </a:xfrm>
+          <a:prstGeom prst="rect">
+            <a:avLst/>
+          </a:prstGeom>
+        </p:spPr>
+      </p:pic>
+      <p:sp>
+        <p:nvSpPr>
+          <p:cNvPr id="5" name="TextBox 4">
+            <a:extLst>
+              <a:ext uri="{FF2B5EF4-FFF2-40B4-BE49-F238E27FC236}">
+                <a16:creationId xmlns:a16="http://schemas.microsoft.com/office/drawing/2014/main" id="{8F875B65-4288-755F-B93C-79D53E41B8A5}"/>
+              </a:ext>
+            </a:extLst>
+          </p:cNvPr>
+          <p:cNvSpPr txBox="1"/>
+          <p:nvPr/>
+        </p:nvSpPr>
+        <p:spPr>
+          <a:xfrm>
+            <a:off x="1219200" y="598714"/>
+            <a:ext cx="9884229" cy="707886"/>
+          </a:xfrm>
+          <a:prstGeom prst="rect">
+            <a:avLst/>
+          </a:prstGeom>
+          <a:noFill/>
+        </p:spPr>
+        <p:txBody>
+          <a:bodyPr wrap="square" rtlCol="0">
+            <a:spAutoFit/>
+          </a:bodyPr>
+          <a:lstStyle/>
+          <a:p>
+            <a:r>
+              <a:rPr lang="en-US" sz="2000" dirty="0"/>
+              <a:t>A structured report is provided listing vulnerabilities, location, type, and severity in the file scanned.</a:t>
+            </a:r>
+            <a:endParaRPr lang="en-IN" sz="2000" dirty="0"/>
+          </a:p>
+        </p:txBody>
+      </p:sp>
+    </p:spTree>
+    <p:extLst>
+      <p:ext uri="{BB962C8B-B14F-4D97-AF65-F5344CB8AC3E}">
+        <p14:creationId xmlns:p14="http://schemas.microsoft.com/office/powerpoint/2010/main" val="824886669"/>
+      </p:ext>
+    </p:extLst>
+  </p:cSld>
+  <p:clrMapOvr>
+    <a:masterClrMapping/>
+  </p:clrMapOvr>
+</p:sld>
+</file>
+
+<file path=ppt/slides/slide4.xml><?xml version="1.0" encoding="utf-8"?>
+<p:sld xmlns:a="http://schemas.openxmlformats.org/drawingml/2006/main" xmlns:r="http://schemas.openxmlformats.org/officeDocument/2006/relationships" xmlns:p="http://schemas.openxmlformats.org/presentationml/2006/main">
+  <p:cSld>
+    <p:spTree>
+      <p:nvGrpSpPr>
+        <p:cNvPr id="1" name=""/>
+        <p:cNvGrpSpPr/>
+        <p:nvPr/>
+      </p:nvGrpSpPr>
+      <p:grpSpPr>
+        <a:xfrm>
+          <a:off x="0" y="0"/>
+          <a:ext cx="0" cy="0"/>
+          <a:chOff x="0" y="0"/>
+          <a:chExt cx="0" cy="0"/>
+        </a:xfrm>
+      </p:grpSpPr>
+      <p:sp>
+        <p:nvSpPr>
+          <p:cNvPr id="2" name="Rectangle 1">
+            <a:extLst>
+              <a:ext uri="{FF2B5EF4-FFF2-40B4-BE49-F238E27FC236}">
+                <a16:creationId xmlns:a16="http://schemas.microsoft.com/office/drawing/2014/main" id="{E1FBA802-0E79-F5F3-847E-82EC161C5B3B}"/>
+              </a:ext>
+            </a:extLst>
+          </p:cNvPr>
+          <p:cNvSpPr/>
+          <p:nvPr/>
+        </p:nvSpPr>
+        <p:spPr>
+          <a:xfrm>
+            <a:off x="0" y="0"/>
+            <a:ext cx="12192000" cy="6858000"/>
+          </a:xfrm>
+          <a:prstGeom prst="rect">
+            <a:avLst/>
+          </a:prstGeom>
+          <a:solidFill>
+            <a:schemeClr val="tx2">
+              <a:lumMod val="20000"/>
+              <a:lumOff val="80000"/>
+            </a:schemeClr>
+          </a:solidFill>
+        </p:spPr>
+        <p:style>
+          <a:lnRef idx="2">
+            <a:schemeClr val="accent1">
+              <a:shade val="15000"/>
+            </a:schemeClr>
+          </a:lnRef>
+          <a:fillRef idx="1">
+            <a:schemeClr val="accent1"/>
+          </a:fillRef>
+          <a:effectRef idx="0">
+            <a:schemeClr val="accent1"/>
+          </a:effectRef>
+          <a:fontRef idx="minor">
+            <a:schemeClr val="lt1"/>
+          </a:fontRef>
+        </p:style>
+        <p:txBody>
+          <a:bodyPr rtlCol="0" anchor="ctr"/>
+          <a:lstStyle/>
+          <a:p>
+            <a:pPr algn="ctr"/>
+            <a:endParaRPr lang="en-IN">
+              <a:solidFill>
+                <a:schemeClr val="bg1"/>
+              </a:solidFill>
+            </a:endParaRPr>
+          </a:p>
+        </p:txBody>
+      </p:sp>
+      <p:sp>
+        <p:nvSpPr>
+          <p:cNvPr id="4" name="TextBox 3">
+            <a:extLst>
+              <a:ext uri="{FF2B5EF4-FFF2-40B4-BE49-F238E27FC236}">
+                <a16:creationId xmlns:a16="http://schemas.microsoft.com/office/drawing/2014/main" id="{7B3F07BB-C7B9-81AE-297B-AB88544FF36D}"/>
+              </a:ext>
+            </a:extLst>
+          </p:cNvPr>
+          <p:cNvSpPr txBox="1"/>
+          <p:nvPr/>
+        </p:nvSpPr>
+        <p:spPr>
+          <a:xfrm>
+            <a:off x="1382486" y="468086"/>
+            <a:ext cx="9818914" cy="923330"/>
+          </a:xfrm>
+          <a:prstGeom prst="rect">
+            <a:avLst/>
+          </a:prstGeom>
+          <a:noFill/>
+        </p:spPr>
+        <p:txBody>
+          <a:bodyPr wrap="square" rtlCol="0">
+            <a:spAutoFit/>
+          </a:bodyPr>
+          <a:lstStyle/>
+          <a:p>
+            <a:r>
+              <a:rPr lang="en-US" sz="3600" b="1" dirty="0"/>
+              <a:t>The Challenge: Manual Vulnerability Identification</a:t>
+            </a:r>
+          </a:p>
+          <a:p>
+            <a:endParaRPr lang="en-IN" dirty="0"/>
+          </a:p>
+        </p:txBody>
+      </p:sp>
+      <p:sp>
+        <p:nvSpPr>
+          <p:cNvPr id="5" name="TextBox 4">
+            <a:extLst>
+              <a:ext uri="{FF2B5EF4-FFF2-40B4-BE49-F238E27FC236}">
+                <a16:creationId xmlns:a16="http://schemas.microsoft.com/office/drawing/2014/main" id="{8E3944E4-E20F-471E-6A5E-18067DAAF769}"/>
+              </a:ext>
+            </a:extLst>
+          </p:cNvPr>
+          <p:cNvSpPr txBox="1"/>
+          <p:nvPr/>
+        </p:nvSpPr>
+        <p:spPr>
+          <a:xfrm>
+            <a:off x="736150" y="1877738"/>
+            <a:ext cx="3646714" cy="3416320"/>
+          </a:xfrm>
+          <a:prstGeom prst="rect">
+            <a:avLst/>
+          </a:prstGeom>
+          <a:noFill/>
+          <a:ln w="28575">
+            <a:solidFill>
+              <a:schemeClr val="tx1"/>
+            </a:solidFill>
+          </a:ln>
+        </p:spPr>
+        <p:txBody>
+          <a:bodyPr wrap="square" rtlCol="0">
+            <a:spAutoFit/>
+          </a:bodyPr>
+          <a:lstStyle/>
+          <a:p>
+            <a:pPr algn="ctr"/>
+            <a:r>
+              <a:rPr lang="en-US" sz="2400" b="1" dirty="0"/>
+              <a:t>Time-Consuming</a:t>
+            </a:r>
+          </a:p>
+          <a:p>
+            <a:r>
+              <a:rPr lang="en-US" sz="2400" dirty="0"/>
+              <a:t>Manually reviewing large codebases for security flaws is an incredibly laborious process, often requiring significant developer hours that could be spent on feature development or innovation.</a:t>
+            </a:r>
+          </a:p>
+        </p:txBody>
+      </p:sp>
+      <p:sp>
+        <p:nvSpPr>
+          <p:cNvPr id="11" name="TextBox 10">
+            <a:extLst>
+              <a:ext uri="{FF2B5EF4-FFF2-40B4-BE49-F238E27FC236}">
+                <a16:creationId xmlns:a16="http://schemas.microsoft.com/office/drawing/2014/main" id="{E3591BCC-131B-9FE9-2144-013A408C423B}"/>
+              </a:ext>
+            </a:extLst>
+          </p:cNvPr>
+          <p:cNvSpPr txBox="1"/>
+          <p:nvPr/>
+        </p:nvSpPr>
+        <p:spPr>
+          <a:xfrm>
+            <a:off x="4786995" y="2062404"/>
+            <a:ext cx="3766457" cy="3046988"/>
+          </a:xfrm>
+          <a:prstGeom prst="rect">
+            <a:avLst/>
+          </a:prstGeom>
+          <a:noFill/>
+          <a:ln w="28575">
+            <a:solidFill>
+              <a:schemeClr val="tx1"/>
+            </a:solidFill>
+          </a:ln>
+        </p:spPr>
+        <p:txBody>
+          <a:bodyPr wrap="square" rtlCol="0">
+            <a:spAutoFit/>
+          </a:bodyPr>
+          <a:lstStyle/>
+          <a:p>
+            <a:pPr algn="ctr"/>
+            <a:r>
+              <a:rPr lang="en-US" sz="2400" b="1" dirty="0"/>
+              <a:t>Error-Prone</a:t>
+            </a:r>
+          </a:p>
+          <a:p>
+            <a:r>
+              <a:rPr lang="en-US" sz="2400" dirty="0"/>
+              <a:t>Human reviewers, despite their expertise, are susceptible to oversight, fatigue, and inconsistencies, leading to missed vulnerabilities and potential security breaches.</a:t>
+            </a:r>
+          </a:p>
+        </p:txBody>
+      </p:sp>
+      <p:sp>
+        <p:nvSpPr>
+          <p:cNvPr id="13" name="TextBox 12">
+            <a:extLst>
+              <a:ext uri="{FF2B5EF4-FFF2-40B4-BE49-F238E27FC236}">
+                <a16:creationId xmlns:a16="http://schemas.microsoft.com/office/drawing/2014/main" id="{47A3F139-7295-8BE8-FF25-A233D7FE7DD0}"/>
+              </a:ext>
+            </a:extLst>
+          </p:cNvPr>
+          <p:cNvSpPr txBox="1"/>
+          <p:nvPr/>
+        </p:nvSpPr>
+        <p:spPr>
+          <a:xfrm>
+            <a:off x="8957583" y="1630496"/>
+            <a:ext cx="2830286" cy="4154984"/>
+          </a:xfrm>
+          <a:prstGeom prst="rect">
+            <a:avLst/>
+          </a:prstGeom>
+          <a:noFill/>
+          <a:ln w="28575">
+            <a:solidFill>
+              <a:schemeClr val="tx1"/>
+            </a:solidFill>
+          </a:ln>
+        </p:spPr>
+        <p:txBody>
+          <a:bodyPr wrap="square" rtlCol="0">
+            <a:spAutoFit/>
+          </a:bodyPr>
+          <a:lstStyle/>
+          <a:p>
+            <a:pPr algn="ctr"/>
             <a:r>
               <a:rPr lang="en-US" sz="2400" b="1" dirty="0"/>
               <a:t>Scalability Issues</a:t>
@@ -4724,7 +6252,7 @@
 </p:sld>
 </file>
 
-<file path=ppt/slides/slide3.xml><?xml version="1.0" encoding="utf-8"?>
+<file path=ppt/slides/slide5.xml><?xml version="1.0" encoding="utf-8"?>
 <p:sld xmlns:a="http://schemas.openxmlformats.org/drawingml/2006/main" xmlns:r="http://schemas.openxmlformats.org/officeDocument/2006/relationships" xmlns:p="http://schemas.openxmlformats.org/presentationml/2006/main">
   <p:cSld>
     <p:spTree>
@@ -4920,6 +6448,7 @@
             </a:r>
           </a:p>
           <a:p>
+            <a:pPr algn="ctr"/>
             <a:r>
               <a:rPr lang="en-US" sz="2000" b="1" dirty="0"/>
               <a:t>Codebase Ingestion</a:t>
@@ -4972,6 +6501,7 @@
             </a:r>
           </a:p>
           <a:p>
+            <a:pPr algn="ctr"/>
             <a:r>
               <a:rPr lang="en-US" sz="2000" b="1" dirty="0"/>
               <a:t>AI-Driven Analysis</a:t>
@@ -5024,6 +6554,7 @@
             </a:r>
           </a:p>
           <a:p>
+            <a:pPr algn="ctr"/>
             <a:r>
               <a:rPr lang="en-US" sz="2000" b="1" dirty="0"/>
               <a:t>Vulnerability Detection</a:t>
@@ -5076,6 +6607,7 @@
             </a:r>
           </a:p>
           <a:p>
+            <a:pPr algn="ctr"/>
             <a:r>
               <a:rPr lang="en-US" sz="2000" b="1" dirty="0"/>
               <a:t>Risk Prioritization</a:t>
@@ -5102,7 +6634,7 @@
 </p:sld>
 </file>
 
-<file path=ppt/slides/slide4.xml><?xml version="1.0" encoding="utf-8"?>
+<file path=ppt/slides/slide6.xml><?xml version="1.0" encoding="utf-8"?>
 <p:sld xmlns:a="http://schemas.openxmlformats.org/drawingml/2006/main" xmlns:r="http://schemas.openxmlformats.org/officeDocument/2006/relationships" xmlns:p="http://schemas.openxmlformats.org/presentationml/2006/main">
   <p:cSld>
     <p:spTree>
@@ -5284,6 +6816,7 @@
           </a:bodyPr>
           <a:lstStyle/>
           <a:p>
+            <a:pPr algn="ctr"/>
             <a:r>
               <a:rPr lang="en-IN" sz="2000" b="1" dirty="0"/>
               <a:t>SQL Injection</a:t>
@@ -5331,6 +6864,7 @@
           </a:bodyPr>
           <a:lstStyle/>
           <a:p>
+            <a:pPr algn="ctr"/>
             <a:r>
               <a:rPr lang="en-US" sz="2000" b="1" dirty="0"/>
               <a:t>Cross-Site Scripting (XSS)</a:t>
@@ -5377,6 +6911,7 @@
           </a:bodyPr>
           <a:lstStyle/>
           <a:p>
+            <a:pPr algn="ctr"/>
             <a:r>
               <a:rPr lang="en-US" sz="2000" b="1" dirty="0"/>
               <a:t>Hardcoded Secrets</a:t>
@@ -5423,6 +6958,7 @@
           </a:bodyPr>
           <a:lstStyle/>
           <a:p>
+            <a:pPr algn="ctr"/>
             <a:r>
               <a:rPr lang="en-US" sz="2000" b="1" dirty="0"/>
               <a:t>Other Common Flaws</a:t>
@@ -5449,7 +6985,7 @@
 </p:sld>
 </file>
 
-<file path=ppt/slides/slide5.xml><?xml version="1.0" encoding="utf-8"?>
+<file path=ppt/slides/slide7.xml><?xml version="1.0" encoding="utf-8"?>
 <p:sld xmlns:a="http://schemas.openxmlformats.org/drawingml/2006/main" xmlns:r="http://schemas.openxmlformats.org/officeDocument/2006/relationships" xmlns:p="http://schemas.openxmlformats.org/presentationml/2006/main">
   <p:cSld>
     <p:spTree>
@@ -5556,7 +7092,6 @@
           </a:bodyPr>
           <a:lstStyle/>
           <a:p>
-            <a:pPr algn="ctr"/>
             <a:r>
               <a:rPr lang="en-US" sz="3600" b="1" dirty="0"/>
               <a:t>How AI Enhances Detection</a:t>
@@ -5666,7 +7201,7 @@
 </p:sld>
 </file>
 
-<file path=ppt/slides/slide6.xml><?xml version="1.0" encoding="utf-8"?>
+<file path=ppt/slides/slide8.xml><?xml version="1.0" encoding="utf-8"?>
 <p:sld xmlns:a="http://schemas.openxmlformats.org/drawingml/2006/main" xmlns:r="http://schemas.openxmlformats.org/officeDocument/2006/relationships" xmlns:p="http://schemas.openxmlformats.org/presentationml/2006/main">
   <p:cSld>
     <p:spTree>
@@ -5814,6 +7349,10 @@
           </a:bodyPr>
           <a:lstStyle/>
           <a:p>
+            <a:pPr marL="285750" indent="-285750">
+              <a:buFont typeface="Arial" panose="020B0604020202020204" pitchFamily="34" charset="0"/>
+              <a:buChar char="•"/>
+            </a:pPr>
             <a:r>
               <a:rPr lang="en-US" b="1" dirty="0"/>
               <a:t>Low Risk</a:t>
@@ -5860,6 +7399,10 @@
           </a:bodyPr>
           <a:lstStyle/>
           <a:p>
+            <a:pPr marL="285750" indent="-285750">
+              <a:buFont typeface="Arial" panose="020B0604020202020204" pitchFamily="34" charset="0"/>
+              <a:buChar char="•"/>
+            </a:pPr>
             <a:r>
               <a:rPr lang="en-US" b="1" dirty="0"/>
               <a:t>Medium Risk</a:t>
@@ -5901,6 +7444,10 @@
           </a:bodyPr>
           <a:lstStyle/>
           <a:p>
+            <a:pPr marL="285750" indent="-285750">
+              <a:buFont typeface="Arial" panose="020B0604020202020204" pitchFamily="34" charset="0"/>
+              <a:buChar char="•"/>
+            </a:pPr>
             <a:r>
               <a:rPr lang="en-US" b="1" dirty="0"/>
               <a:t>High Risk</a:t>
@@ -5942,6 +7489,10 @@
           </a:bodyPr>
           <a:lstStyle/>
           <a:p>
+            <a:pPr marL="285750" indent="-285750">
+              <a:buFont typeface="Arial" panose="020B0604020202020204" pitchFamily="34" charset="0"/>
+              <a:buChar char="•"/>
+            </a:pPr>
             <a:r>
               <a:rPr lang="en-US" b="1" dirty="0"/>
               <a:t>Critical Risk</a:t>
@@ -6009,7 +7560,7 @@
 </p:sld>
 </file>
 
-<file path=ppt/slides/slide7.xml><?xml version="1.0" encoding="utf-8"?>
+<file path=ppt/slides/slide9.xml><?xml version="1.0" encoding="utf-8"?>
 <p:sld xmlns:a="http://schemas.openxmlformats.org/drawingml/2006/main" xmlns:r="http://schemas.openxmlformats.org/officeDocument/2006/relationships" xmlns:p="http://schemas.openxmlformats.org/presentationml/2006/main">
   <p:cSld>
     <p:spTree>
@@ -6151,6 +7702,7 @@
           </a:bodyPr>
           <a:lstStyle/>
           <a:p>
+            <a:pPr algn="ctr"/>
             <a:r>
               <a:rPr lang="en-US" sz="2000" b="1" dirty="0"/>
               <a:t>For Developers</a:t>
@@ -6229,6 +7781,7 @@
           </a:bodyPr>
           <a:lstStyle/>
           <a:p>
+            <a:pPr algn="ctr"/>
             <a:r>
               <a:rPr lang="en-US" sz="2000" b="1" dirty="0"/>
               <a:t>For Organizations</a:t>
@@ -6280,850 +7833,6 @@
     <p:extLst>
       <p:ext uri="{BB962C8B-B14F-4D97-AF65-F5344CB8AC3E}">
         <p14:creationId xmlns:p14="http://schemas.microsoft.com/office/powerpoint/2010/main" val="588225185"/>
-      </p:ext>
-    </p:extLst>
-  </p:cSld>
-  <p:clrMapOvr>
-    <a:masterClrMapping/>
-  </p:clrMapOvr>
-</p:sld>
-</file>
-
-<file path=ppt/slides/slide8.xml><?xml version="1.0" encoding="utf-8"?>
-<p:sld xmlns:a="http://schemas.openxmlformats.org/drawingml/2006/main" xmlns:r="http://schemas.openxmlformats.org/officeDocument/2006/relationships" xmlns:p="http://schemas.openxmlformats.org/presentationml/2006/main">
-  <p:cSld>
-    <p:spTree>
-      <p:nvGrpSpPr>
-        <p:cNvPr id="1" name="">
-          <a:extLst>
-            <a:ext uri="{FF2B5EF4-FFF2-40B4-BE49-F238E27FC236}">
-              <a16:creationId xmlns:a16="http://schemas.microsoft.com/office/drawing/2014/main" id="{CB118422-EEE9-F4F9-BC9E-F0AB4E9E0294}"/>
-            </a:ext>
-          </a:extLst>
-        </p:cNvPr>
-        <p:cNvGrpSpPr/>
-        <p:nvPr/>
-      </p:nvGrpSpPr>
-      <p:grpSpPr>
-        <a:xfrm>
-          <a:off x="0" y="0"/>
-          <a:ext cx="0" cy="0"/>
-          <a:chOff x="0" y="0"/>
-          <a:chExt cx="0" cy="0"/>
-        </a:xfrm>
-      </p:grpSpPr>
-      <p:sp>
-        <p:nvSpPr>
-          <p:cNvPr id="2" name="Rectangle 1">
-            <a:extLst>
-              <a:ext uri="{FF2B5EF4-FFF2-40B4-BE49-F238E27FC236}">
-                <a16:creationId xmlns:a16="http://schemas.microsoft.com/office/drawing/2014/main" id="{BB8375E4-8BF1-DD6D-C232-4AF5F7DEA469}"/>
-              </a:ext>
-            </a:extLst>
-          </p:cNvPr>
-          <p:cNvSpPr/>
-          <p:nvPr/>
-        </p:nvSpPr>
-        <p:spPr>
-          <a:xfrm>
-            <a:off x="0" y="0"/>
-            <a:ext cx="12192000" cy="6858000"/>
-          </a:xfrm>
-          <a:prstGeom prst="rect">
-            <a:avLst/>
-          </a:prstGeom>
-          <a:solidFill>
-            <a:schemeClr val="tx2">
-              <a:lumMod val="20000"/>
-              <a:lumOff val="80000"/>
-            </a:schemeClr>
-          </a:solidFill>
-        </p:spPr>
-        <p:style>
-          <a:lnRef idx="2">
-            <a:schemeClr val="accent1">
-              <a:shade val="15000"/>
-            </a:schemeClr>
-          </a:lnRef>
-          <a:fillRef idx="1">
-            <a:schemeClr val="accent1"/>
-          </a:fillRef>
-          <a:effectRef idx="0">
-            <a:schemeClr val="accent1"/>
-          </a:effectRef>
-          <a:fontRef idx="minor">
-            <a:schemeClr val="lt1"/>
-          </a:fontRef>
-        </p:style>
-        <p:txBody>
-          <a:bodyPr rtlCol="0" anchor="ctr"/>
-          <a:lstStyle/>
-          <a:p>
-            <a:pPr algn="ctr"/>
-            <a:endParaRPr lang="en-IN" dirty="0">
-              <a:solidFill>
-                <a:schemeClr val="bg1"/>
-              </a:solidFill>
-            </a:endParaRPr>
-          </a:p>
-        </p:txBody>
-      </p:sp>
-      <p:sp>
-        <p:nvSpPr>
-          <p:cNvPr id="3" name="TextBox 2">
-            <a:extLst>
-              <a:ext uri="{FF2B5EF4-FFF2-40B4-BE49-F238E27FC236}">
-                <a16:creationId xmlns:a16="http://schemas.microsoft.com/office/drawing/2014/main" id="{C10B2D35-EA3E-66F8-CF10-883558541B73}"/>
-              </a:ext>
-            </a:extLst>
-          </p:cNvPr>
-          <p:cNvSpPr txBox="1"/>
-          <p:nvPr/>
-        </p:nvSpPr>
-        <p:spPr>
-          <a:xfrm>
-            <a:off x="620486" y="402771"/>
-            <a:ext cx="10700657" cy="2062103"/>
-          </a:xfrm>
-          <a:prstGeom prst="rect">
-            <a:avLst/>
-          </a:prstGeom>
-          <a:noFill/>
-        </p:spPr>
-        <p:txBody>
-          <a:bodyPr wrap="square" rtlCol="0">
-            <a:spAutoFit/>
-          </a:bodyPr>
-          <a:lstStyle/>
-          <a:p>
-            <a:r>
-              <a:rPr lang="en-US" sz="2000" b="1" dirty="0"/>
-              <a:t>For Organizations</a:t>
-            </a:r>
-          </a:p>
-          <a:p>
-            <a:r>
-              <a:rPr lang="en-US" b="1" dirty="0"/>
-              <a:t>- Enhanced Security Posture:</a:t>
-            </a:r>
-            <a:r>
-              <a:rPr lang="en-US" dirty="0"/>
-              <a:t> Proactively identify and mitigate risks, strengthening overall application security.</a:t>
-            </a:r>
-          </a:p>
-          <a:p>
-            <a:r>
-              <a:rPr lang="en-US" b="1" dirty="0"/>
-              <a:t>- Cost Savings:</a:t>
-            </a:r>
-            <a:r>
-              <a:rPr lang="en-US" dirty="0"/>
-              <a:t> Prevent expensive security breaches and reduce the cost of fixing vulnerabilities post-deployment.</a:t>
-            </a:r>
-          </a:p>
-          <a:p>
-            <a:r>
-              <a:rPr lang="en-US" b="1" dirty="0"/>
-              <a:t>- Compliance Adherence:</a:t>
-            </a:r>
-            <a:r>
-              <a:rPr lang="en-US" dirty="0"/>
-              <a:t> Meet regulatory and industry security standards with greater ease and confidence.</a:t>
-            </a:r>
-          </a:p>
-          <a:p>
-            <a:r>
-              <a:rPr lang="en-US" b="1" dirty="0"/>
-              <a:t>- Reputation Protection:</a:t>
-            </a:r>
-            <a:r>
-              <a:rPr lang="en-US" dirty="0"/>
-              <a:t> Safeguard brand image and customer trust by delivering more secure software.</a:t>
-            </a:r>
-          </a:p>
-          <a:p>
-            <a:endParaRPr lang="en-IN" dirty="0"/>
-          </a:p>
-        </p:txBody>
-      </p:sp>
-      <p:sp>
-        <p:nvSpPr>
-          <p:cNvPr id="4" name="TextBox 3">
-            <a:extLst>
-              <a:ext uri="{FF2B5EF4-FFF2-40B4-BE49-F238E27FC236}">
-                <a16:creationId xmlns:a16="http://schemas.microsoft.com/office/drawing/2014/main" id="{7B82666B-E11A-5515-60D5-B067701ECC34}"/>
-              </a:ext>
-            </a:extLst>
-          </p:cNvPr>
-          <p:cNvSpPr txBox="1"/>
-          <p:nvPr/>
-        </p:nvSpPr>
-        <p:spPr>
-          <a:xfrm>
-            <a:off x="947057" y="3404441"/>
-            <a:ext cx="3744686" cy="710964"/>
-          </a:xfrm>
-          <a:prstGeom prst="rect">
-            <a:avLst/>
-          </a:prstGeom>
-          <a:noFill/>
-        </p:spPr>
-        <p:txBody>
-          <a:bodyPr wrap="square" rtlCol="0">
-            <a:spAutoFit/>
-          </a:bodyPr>
-          <a:lstStyle/>
-          <a:p>
-            <a:r>
-              <a:rPr lang="en-IN" b="1" dirty="0"/>
-              <a:t>Code Parser</a:t>
-            </a:r>
-          </a:p>
-          <a:p>
-            <a:r>
-              <a:rPr lang="en-IN" dirty="0"/>
-              <a:t>Extracts ASTs from multiple languages</a:t>
-            </a:r>
-          </a:p>
-        </p:txBody>
-      </p:sp>
-      <p:sp>
-        <p:nvSpPr>
-          <p:cNvPr id="6" name="TextBox 5">
-            <a:extLst>
-              <a:ext uri="{FF2B5EF4-FFF2-40B4-BE49-F238E27FC236}">
-                <a16:creationId xmlns:a16="http://schemas.microsoft.com/office/drawing/2014/main" id="{8D341755-F646-F17B-CD59-76809E7361EB}"/>
-              </a:ext>
-            </a:extLst>
-          </p:cNvPr>
-          <p:cNvSpPr txBox="1"/>
-          <p:nvPr/>
-        </p:nvSpPr>
-        <p:spPr>
-          <a:xfrm>
-            <a:off x="8164284" y="2150830"/>
-            <a:ext cx="3374572" cy="646331"/>
-          </a:xfrm>
-          <a:prstGeom prst="rect">
-            <a:avLst/>
-          </a:prstGeom>
-          <a:noFill/>
-        </p:spPr>
-        <p:txBody>
-          <a:bodyPr wrap="square" rtlCol="0">
-            <a:spAutoFit/>
-          </a:bodyPr>
-          <a:lstStyle/>
-          <a:p>
-            <a:r>
-              <a:rPr lang="en-US" b="1" dirty="0"/>
-              <a:t>Vulnerability Database</a:t>
-            </a:r>
-          </a:p>
-          <a:p>
-            <a:r>
-              <a:rPr lang="en-US" dirty="0"/>
-              <a:t>Stores findings and severity data</a:t>
-            </a:r>
-          </a:p>
-        </p:txBody>
-      </p:sp>
-      <p:sp>
-        <p:nvSpPr>
-          <p:cNvPr id="7" name="TextBox 6">
-            <a:extLst>
-              <a:ext uri="{FF2B5EF4-FFF2-40B4-BE49-F238E27FC236}">
-                <a16:creationId xmlns:a16="http://schemas.microsoft.com/office/drawing/2014/main" id="{E5C11A24-217B-49CD-FD5B-D990A2CC1232}"/>
-              </a:ext>
-            </a:extLst>
-          </p:cNvPr>
-          <p:cNvSpPr txBox="1"/>
-          <p:nvPr/>
-        </p:nvSpPr>
-        <p:spPr>
-          <a:xfrm>
-            <a:off x="925287" y="2417961"/>
-            <a:ext cx="3744686" cy="2699884"/>
-          </a:xfrm>
-          <a:prstGeom prst="rect">
-            <a:avLst/>
-          </a:prstGeom>
-          <a:noFill/>
-        </p:spPr>
-        <p:txBody>
-          <a:bodyPr wrap="square" rtlCol="0">
-            <a:spAutoFit/>
-          </a:bodyPr>
-          <a:lstStyle/>
-          <a:p>
-            <a:r>
-              <a:rPr lang="en-IN" b="1" dirty="0"/>
-              <a:t>Code Repository</a:t>
-            </a:r>
-          </a:p>
-          <a:p>
-            <a:r>
-              <a:rPr lang="en-IN" dirty="0"/>
-              <a:t>Source code and version history</a:t>
-            </a:r>
-          </a:p>
-        </p:txBody>
-      </p:sp>
-      <p:sp>
-        <p:nvSpPr>
-          <p:cNvPr id="8" name="TextBox 7">
-            <a:extLst>
-              <a:ext uri="{FF2B5EF4-FFF2-40B4-BE49-F238E27FC236}">
-                <a16:creationId xmlns:a16="http://schemas.microsoft.com/office/drawing/2014/main" id="{0F730CDB-FB16-3C08-F67B-3EB32E0157C9}"/>
-              </a:ext>
-            </a:extLst>
-          </p:cNvPr>
-          <p:cNvSpPr txBox="1"/>
-          <p:nvPr/>
-        </p:nvSpPr>
-        <p:spPr>
-          <a:xfrm>
-            <a:off x="4713513" y="2836867"/>
-            <a:ext cx="3374572" cy="3856980"/>
-          </a:xfrm>
-          <a:prstGeom prst="rect">
-            <a:avLst/>
-          </a:prstGeom>
-          <a:noFill/>
-        </p:spPr>
-        <p:txBody>
-          <a:bodyPr wrap="square" rtlCol="0">
-            <a:spAutoFit/>
-          </a:bodyPr>
-          <a:lstStyle/>
-          <a:p>
-            <a:r>
-              <a:rPr lang="en-US" b="1" dirty="0"/>
-              <a:t>AI Analysis Engine</a:t>
-            </a:r>
-          </a:p>
-          <a:p>
-            <a:r>
-              <a:rPr lang="en-US" dirty="0"/>
-              <a:t>Pattern, context, and risk assessment</a:t>
-            </a:r>
-          </a:p>
-        </p:txBody>
-      </p:sp>
-      <p:sp>
-        <p:nvSpPr>
-          <p:cNvPr id="10" name="TextBox 9">
-            <a:extLst>
-              <a:ext uri="{FF2B5EF4-FFF2-40B4-BE49-F238E27FC236}">
-                <a16:creationId xmlns:a16="http://schemas.microsoft.com/office/drawing/2014/main" id="{1BE38B8F-0A90-7630-C89D-F565779F8F10}"/>
-              </a:ext>
-            </a:extLst>
-          </p:cNvPr>
-          <p:cNvSpPr txBox="1"/>
-          <p:nvPr/>
-        </p:nvSpPr>
-        <p:spPr>
-          <a:xfrm>
-            <a:off x="8469085" y="3080818"/>
-            <a:ext cx="2852058" cy="3856980"/>
-          </a:xfrm>
-          <a:prstGeom prst="rect">
-            <a:avLst/>
-          </a:prstGeom>
-          <a:noFill/>
-        </p:spPr>
-        <p:txBody>
-          <a:bodyPr wrap="square" rtlCol="0">
-            <a:spAutoFit/>
-          </a:bodyPr>
-          <a:lstStyle/>
-          <a:p>
-            <a:r>
-              <a:rPr lang="en-US" b="1" dirty="0"/>
-              <a:t>Reporting Module</a:t>
-            </a:r>
-          </a:p>
-          <a:p>
-            <a:r>
-              <a:rPr lang="en-US" dirty="0"/>
-              <a:t>Generates actionable developer reports</a:t>
-            </a:r>
-          </a:p>
-        </p:txBody>
-      </p:sp>
-      <p:sp>
-        <p:nvSpPr>
-          <p:cNvPr id="11" name="TextBox 10">
-            <a:extLst>
-              <a:ext uri="{FF2B5EF4-FFF2-40B4-BE49-F238E27FC236}">
-                <a16:creationId xmlns:a16="http://schemas.microsoft.com/office/drawing/2014/main" id="{5617437C-0757-BBAA-C83D-F97A0EF67AAF}"/>
-              </a:ext>
-            </a:extLst>
-          </p:cNvPr>
-          <p:cNvSpPr txBox="1"/>
-          <p:nvPr/>
-        </p:nvSpPr>
-        <p:spPr>
-          <a:xfrm>
-            <a:off x="500743" y="4738645"/>
-            <a:ext cx="11190514" cy="1754326"/>
-          </a:xfrm>
-          <a:prstGeom prst="rect">
-            <a:avLst/>
-          </a:prstGeom>
-          <a:noFill/>
-        </p:spPr>
-        <p:txBody>
-          <a:bodyPr wrap="square" rtlCol="0">
-            <a:spAutoFit/>
-          </a:bodyPr>
-          <a:lstStyle/>
-          <a:p>
-            <a:r>
-              <a:rPr lang="en-US" dirty="0"/>
-              <a:t>The system is designed with modularity and scalability in mind, ensuring efficient processing and accurate reporting.</a:t>
-            </a:r>
-          </a:p>
-          <a:p>
-            <a:r>
-              <a:rPr lang="en-US" b="1" dirty="0"/>
-              <a:t>Code Parser:</a:t>
-            </a:r>
-            <a:r>
-              <a:rPr lang="en-US" dirty="0"/>
-              <a:t> Extracts abstract syntax trees (ASTs) from various programming languages.</a:t>
-            </a:r>
-          </a:p>
-          <a:p>
-            <a:r>
-              <a:rPr lang="en-US" b="1" dirty="0"/>
-              <a:t>AI Analysis Engine:</a:t>
-            </a:r>
-            <a:r>
-              <a:rPr lang="en-US" dirty="0"/>
-              <a:t> The core intelligence, employing machine learning models to detect and classify vulnerabilities.</a:t>
-            </a:r>
-          </a:p>
-          <a:p>
-            <a:r>
-              <a:rPr lang="en-US" b="1" dirty="0"/>
-              <a:t>Vulnerability Database:</a:t>
-            </a:r>
-            <a:r>
-              <a:rPr lang="en-US" dirty="0"/>
-              <a:t> Stores known vulnerability patterns and remediation strategies.</a:t>
-            </a:r>
-          </a:p>
-          <a:p>
-            <a:r>
-              <a:rPr lang="en-US" b="1" dirty="0"/>
-              <a:t>Reporting Module:</a:t>
-            </a:r>
-            <a:r>
-              <a:rPr lang="en-US" dirty="0"/>
-              <a:t> Generates comprehensive reports with severity levels and actionable recommendations.</a:t>
-            </a:r>
-          </a:p>
-          <a:p>
-            <a:r>
-              <a:rPr lang="en-US" b="1" dirty="0"/>
-              <a:t>Developer Interface:</a:t>
-            </a:r>
-            <a:r>
-              <a:rPr lang="en-US" dirty="0"/>
-              <a:t> Provides a user-friendly dashboard for viewing results and managing remediation workflows.</a:t>
-            </a:r>
-          </a:p>
-        </p:txBody>
-      </p:sp>
-    </p:spTree>
-    <p:extLst>
-      <p:ext uri="{BB962C8B-B14F-4D97-AF65-F5344CB8AC3E}">
-        <p14:creationId xmlns:p14="http://schemas.microsoft.com/office/powerpoint/2010/main" val="3277588249"/>
-      </p:ext>
-    </p:extLst>
-  </p:cSld>
-  <p:clrMapOvr>
-    <a:masterClrMapping/>
-  </p:clrMapOvr>
-</p:sld>
-</file>
-
-<file path=ppt/slides/slide9.xml><?xml version="1.0" encoding="utf-8"?>
-<p:sld xmlns:a="http://schemas.openxmlformats.org/drawingml/2006/main" xmlns:r="http://schemas.openxmlformats.org/officeDocument/2006/relationships" xmlns:p="http://schemas.openxmlformats.org/presentationml/2006/main">
-  <p:cSld>
-    <p:spTree>
-      <p:nvGrpSpPr>
-        <p:cNvPr id="1" name="">
-          <a:extLst>
-            <a:ext uri="{FF2B5EF4-FFF2-40B4-BE49-F238E27FC236}">
-              <a16:creationId xmlns:a16="http://schemas.microsoft.com/office/drawing/2014/main" id="{565739F2-F187-9D5C-F9EE-31528B67E970}"/>
-            </a:ext>
-          </a:extLst>
-        </p:cNvPr>
-        <p:cNvGrpSpPr/>
-        <p:nvPr/>
-      </p:nvGrpSpPr>
-      <p:grpSpPr>
-        <a:xfrm>
-          <a:off x="0" y="0"/>
-          <a:ext cx="0" cy="0"/>
-          <a:chOff x="0" y="0"/>
-          <a:chExt cx="0" cy="0"/>
-        </a:xfrm>
-      </p:grpSpPr>
-      <p:sp>
-        <p:nvSpPr>
-          <p:cNvPr id="2" name="Rectangle 1">
-            <a:extLst>
-              <a:ext uri="{FF2B5EF4-FFF2-40B4-BE49-F238E27FC236}">
-                <a16:creationId xmlns:a16="http://schemas.microsoft.com/office/drawing/2014/main" id="{592A854F-860E-F1F3-B2B9-21D5B13F2A24}"/>
-              </a:ext>
-            </a:extLst>
-          </p:cNvPr>
-          <p:cNvSpPr/>
-          <p:nvPr/>
-        </p:nvSpPr>
-        <p:spPr>
-          <a:xfrm>
-            <a:off x="0" y="0"/>
-            <a:ext cx="12192000" cy="6858000"/>
-          </a:xfrm>
-          <a:prstGeom prst="rect">
-            <a:avLst/>
-          </a:prstGeom>
-          <a:solidFill>
-            <a:schemeClr val="tx2">
-              <a:lumMod val="20000"/>
-              <a:lumOff val="80000"/>
-            </a:schemeClr>
-          </a:solidFill>
-        </p:spPr>
-        <p:style>
-          <a:lnRef idx="2">
-            <a:schemeClr val="accent1">
-              <a:shade val="15000"/>
-            </a:schemeClr>
-          </a:lnRef>
-          <a:fillRef idx="1">
-            <a:schemeClr val="accent1"/>
-          </a:fillRef>
-          <a:effectRef idx="0">
-            <a:schemeClr val="accent1"/>
-          </a:effectRef>
-          <a:fontRef idx="minor">
-            <a:schemeClr val="lt1"/>
-          </a:fontRef>
-        </p:style>
-        <p:txBody>
-          <a:bodyPr rtlCol="0" anchor="ctr"/>
-          <a:lstStyle/>
-          <a:p>
-            <a:pPr algn="ctr"/>
-            <a:endParaRPr lang="en-IN">
-              <a:solidFill>
-                <a:schemeClr val="bg1"/>
-              </a:solidFill>
-            </a:endParaRPr>
-          </a:p>
-        </p:txBody>
-      </p:sp>
-      <p:sp>
-        <p:nvSpPr>
-          <p:cNvPr id="4" name="TextBox 3">
-            <a:extLst>
-              <a:ext uri="{FF2B5EF4-FFF2-40B4-BE49-F238E27FC236}">
-                <a16:creationId xmlns:a16="http://schemas.microsoft.com/office/drawing/2014/main" id="{FD32021C-78F3-A90A-B48B-A4300B7D74D3}"/>
-              </a:ext>
-            </a:extLst>
-          </p:cNvPr>
-          <p:cNvSpPr txBox="1"/>
-          <p:nvPr/>
-        </p:nvSpPr>
-        <p:spPr>
-          <a:xfrm>
-            <a:off x="838200" y="555171"/>
-            <a:ext cx="10776857" cy="707886"/>
-          </a:xfrm>
-          <a:prstGeom prst="rect">
-            <a:avLst/>
-          </a:prstGeom>
-          <a:noFill/>
-        </p:spPr>
-        <p:txBody>
-          <a:bodyPr wrap="square" rtlCol="0">
-            <a:spAutoFit/>
-          </a:bodyPr>
-          <a:lstStyle/>
-          <a:p>
-            <a:r>
-              <a:rPr lang="en-IN" sz="4000" b="1" dirty="0"/>
-              <a:t>Future Enhancements and Roadmap</a:t>
-            </a:r>
-          </a:p>
-        </p:txBody>
-      </p:sp>
-      <p:sp>
-        <p:nvSpPr>
-          <p:cNvPr id="5" name="TextBox 4">
-            <a:extLst>
-              <a:ext uri="{FF2B5EF4-FFF2-40B4-BE49-F238E27FC236}">
-                <a16:creationId xmlns:a16="http://schemas.microsoft.com/office/drawing/2014/main" id="{32F15A8B-70C1-82AC-380F-DB38822A6B36}"/>
-              </a:ext>
-            </a:extLst>
-          </p:cNvPr>
-          <p:cNvSpPr txBox="1"/>
-          <p:nvPr/>
-        </p:nvSpPr>
-        <p:spPr>
-          <a:xfrm>
-            <a:off x="489857" y="1175657"/>
-            <a:ext cx="11484429" cy="707886"/>
-          </a:xfrm>
-          <a:prstGeom prst="rect">
-            <a:avLst/>
-          </a:prstGeom>
-          <a:noFill/>
-        </p:spPr>
-        <p:txBody>
-          <a:bodyPr wrap="square" rtlCol="0">
-            <a:spAutoFit/>
-          </a:bodyPr>
-          <a:lstStyle/>
-          <a:p>
-            <a:r>
-              <a:rPr lang="en-US" sz="2000" dirty="0"/>
-              <a:t>Our vision for the AI-powered vulnerability scanner extends beyond its current capabilities, with continuous improvements planned.</a:t>
-            </a:r>
-          </a:p>
-        </p:txBody>
-      </p:sp>
-      <p:sp>
-        <p:nvSpPr>
-          <p:cNvPr id="6" name="TextBox 5">
-            <a:extLst>
-              <a:ext uri="{FF2B5EF4-FFF2-40B4-BE49-F238E27FC236}">
-                <a16:creationId xmlns:a16="http://schemas.microsoft.com/office/drawing/2014/main" id="{F49F5A2F-184D-4BFA-36A9-6CA20DA4672A}"/>
-              </a:ext>
-            </a:extLst>
-          </p:cNvPr>
-          <p:cNvSpPr txBox="1"/>
-          <p:nvPr/>
-        </p:nvSpPr>
-        <p:spPr>
-          <a:xfrm>
-            <a:off x="990599" y="2105561"/>
-            <a:ext cx="5007429" cy="1323439"/>
-          </a:xfrm>
-          <a:prstGeom prst="rect">
-            <a:avLst/>
-          </a:prstGeom>
-          <a:noFill/>
-          <a:ln w="28575">
-            <a:solidFill>
-              <a:schemeClr val="tx1"/>
-            </a:solidFill>
-          </a:ln>
-        </p:spPr>
-        <p:txBody>
-          <a:bodyPr wrap="square" rtlCol="0">
-            <a:spAutoFit/>
-          </a:bodyPr>
-          <a:lstStyle/>
-          <a:p>
-            <a:r>
-              <a:rPr lang="en-US" sz="2000" b="1" dirty="0"/>
-              <a:t>Expanded Language Support</a:t>
-            </a:r>
-          </a:p>
-          <a:p>
-            <a:r>
-              <a:rPr lang="en-US" sz="2000" dirty="0"/>
-              <a:t>Adding support for more programming languages like Java, C#, and Go to broaden its applicability.</a:t>
-            </a:r>
-          </a:p>
-        </p:txBody>
-      </p:sp>
-      <p:sp>
-        <p:nvSpPr>
-          <p:cNvPr id="7" name="TextBox 6">
-            <a:extLst>
-              <a:ext uri="{FF2B5EF4-FFF2-40B4-BE49-F238E27FC236}">
-                <a16:creationId xmlns:a16="http://schemas.microsoft.com/office/drawing/2014/main" id="{BF384547-3573-8463-B0EF-3D94C44C3029}"/>
-              </a:ext>
-            </a:extLst>
-          </p:cNvPr>
-          <p:cNvSpPr txBox="1"/>
-          <p:nvPr/>
-        </p:nvSpPr>
-        <p:spPr>
-          <a:xfrm>
-            <a:off x="6988627" y="2069106"/>
-            <a:ext cx="4528457" cy="1631216"/>
-          </a:xfrm>
-          <a:prstGeom prst="rect">
-            <a:avLst/>
-          </a:prstGeom>
-          <a:noFill/>
-          <a:ln w="28575">
-            <a:solidFill>
-              <a:schemeClr val="tx1"/>
-            </a:solidFill>
-          </a:ln>
-        </p:spPr>
-        <p:txBody>
-          <a:bodyPr wrap="square" rtlCol="0">
-            <a:spAutoFit/>
-          </a:bodyPr>
-          <a:lstStyle/>
-          <a:p>
-            <a:r>
-              <a:rPr lang="en-US" sz="2000" b="1" dirty="0"/>
-              <a:t>CI/CD Integration</a:t>
-            </a:r>
-          </a:p>
-          <a:p>
-            <a:r>
-              <a:rPr lang="en-US" sz="2000" dirty="0"/>
-              <a:t>Seamless integration with Continuous Integration/Continuous Deployment pipelines for automated, real-time scanning.</a:t>
-            </a:r>
-          </a:p>
-        </p:txBody>
-      </p:sp>
-      <p:sp>
-        <p:nvSpPr>
-          <p:cNvPr id="8" name="TextBox 7">
-            <a:extLst>
-              <a:ext uri="{FF2B5EF4-FFF2-40B4-BE49-F238E27FC236}">
-                <a16:creationId xmlns:a16="http://schemas.microsoft.com/office/drawing/2014/main" id="{DE28A9F6-1FDC-EE4C-AEFF-B6570C11C069}"/>
-              </a:ext>
-            </a:extLst>
-          </p:cNvPr>
-          <p:cNvSpPr txBox="1"/>
-          <p:nvPr/>
-        </p:nvSpPr>
-        <p:spPr>
-          <a:xfrm>
-            <a:off x="990599" y="4274542"/>
-            <a:ext cx="5007429" cy="1323439"/>
-          </a:xfrm>
-          <a:prstGeom prst="rect">
-            <a:avLst/>
-          </a:prstGeom>
-          <a:noFill/>
-          <a:ln w="28575">
-            <a:solidFill>
-              <a:schemeClr val="tx1"/>
-            </a:solidFill>
-          </a:ln>
-        </p:spPr>
-        <p:txBody>
-          <a:bodyPr wrap="square" rtlCol="0">
-            <a:spAutoFit/>
-          </a:bodyPr>
-          <a:lstStyle/>
-          <a:p>
-            <a:r>
-              <a:rPr lang="en-US" sz="2000" b="1" dirty="0"/>
-              <a:t>Automated Remediation Suggestions</a:t>
-            </a:r>
-          </a:p>
-          <a:p>
-            <a:r>
-              <a:rPr lang="en-US" sz="2000" dirty="0"/>
-              <a:t>Developing AI capabilities to not only identify but also suggest code-level fixes for detected vulnerabilities.</a:t>
-            </a:r>
-          </a:p>
-        </p:txBody>
-      </p:sp>
-      <p:sp>
-        <p:nvSpPr>
-          <p:cNvPr id="9" name="TextBox 8">
-            <a:extLst>
-              <a:ext uri="{FF2B5EF4-FFF2-40B4-BE49-F238E27FC236}">
-                <a16:creationId xmlns:a16="http://schemas.microsoft.com/office/drawing/2014/main" id="{44252874-5926-F10A-A618-6BC4A10D77F9}"/>
-              </a:ext>
-            </a:extLst>
-          </p:cNvPr>
-          <p:cNvSpPr txBox="1"/>
-          <p:nvPr/>
-        </p:nvSpPr>
-        <p:spPr>
-          <a:xfrm>
-            <a:off x="6988627" y="4228275"/>
-            <a:ext cx="4125686" cy="1323439"/>
-          </a:xfrm>
-          <a:prstGeom prst="rect">
-            <a:avLst/>
-          </a:prstGeom>
-          <a:noFill/>
-          <a:ln w="28575">
-            <a:solidFill>
-              <a:schemeClr val="tx1"/>
-            </a:solidFill>
-          </a:ln>
-        </p:spPr>
-        <p:txBody>
-          <a:bodyPr wrap="square" rtlCol="0">
-            <a:spAutoFit/>
-          </a:bodyPr>
-          <a:lstStyle/>
-          <a:p>
-            <a:r>
-              <a:rPr lang="en-US" sz="2000" b="1" dirty="0"/>
-              <a:t>Threat Intelligence Integration</a:t>
-            </a:r>
-          </a:p>
-          <a:p>
-            <a:r>
-              <a:rPr lang="en-US" sz="2000" dirty="0"/>
-              <a:t>Incorporating real-time threat intelligence feeds to detect emerging vulnerabilities and zero-day exploits.</a:t>
-            </a:r>
-          </a:p>
-        </p:txBody>
-      </p:sp>
-      <p:sp>
-        <p:nvSpPr>
-          <p:cNvPr id="10" name="TextBox 9">
-            <a:extLst>
-              <a:ext uri="{FF2B5EF4-FFF2-40B4-BE49-F238E27FC236}">
-                <a16:creationId xmlns:a16="http://schemas.microsoft.com/office/drawing/2014/main" id="{9E445E3B-1B38-3EFE-B167-EC4A0A07A1C8}"/>
-              </a:ext>
-            </a:extLst>
-          </p:cNvPr>
-          <p:cNvSpPr txBox="1"/>
-          <p:nvPr/>
-        </p:nvSpPr>
-        <p:spPr>
-          <a:xfrm>
-            <a:off x="707571" y="6172200"/>
-            <a:ext cx="10907486" cy="923330"/>
-          </a:xfrm>
-          <a:prstGeom prst="rect">
-            <a:avLst/>
-          </a:prstGeom>
-          <a:noFill/>
-        </p:spPr>
-        <p:txBody>
-          <a:bodyPr wrap="square" rtlCol="0">
-            <a:spAutoFit/>
-          </a:bodyPr>
-          <a:lstStyle/>
-          <a:p>
-            <a:r>
-              <a:rPr lang="en-US" dirty="0"/>
-              <a:t>These enhancements will further solidify the tool's position as an indispensable asset in the software security landscape.</a:t>
-            </a:r>
-          </a:p>
-          <a:p>
-            <a:endParaRPr lang="en-IN" dirty="0"/>
-          </a:p>
-        </p:txBody>
-      </p:sp>
-    </p:spTree>
-    <p:extLst>
-      <p:ext uri="{BB962C8B-B14F-4D97-AF65-F5344CB8AC3E}">
-        <p14:creationId xmlns:p14="http://schemas.microsoft.com/office/powerpoint/2010/main" val="279742667"/>
       </p:ext>
     </p:extLst>
   </p:cSld>
